--- a/機會命運.pptx
+++ b/機會命運.pptx
@@ -17,8 +17,17 @@
     <p:sldId id="265" r:id="rId11"/>
     <p:sldId id="266" r:id="rId12"/>
     <p:sldId id="267" r:id="rId13"/>
-    <p:sldId id="268" r:id="rId14"/>
-    <p:sldId id="269" r:id="rId15"/>
+    <p:sldId id="272" r:id="rId14"/>
+    <p:sldId id="268" r:id="rId15"/>
+    <p:sldId id="269" r:id="rId16"/>
+    <p:sldId id="271" r:id="rId17"/>
+    <p:sldId id="273" r:id="rId18"/>
+    <p:sldId id="274" r:id="rId19"/>
+    <p:sldId id="275" r:id="rId20"/>
+    <p:sldId id="276" r:id="rId21"/>
+    <p:sldId id="277" r:id="rId22"/>
+    <p:sldId id="278" r:id="rId23"/>
+    <p:sldId id="279" r:id="rId24"/>
   </p:sldIdLst>
   <p:sldSz cx="2519363" cy="1619250"/>
   <p:notesSz cx="6858000" cy="9144000"/>
@@ -117,7 +126,324 @@
       </a:defRPr>
     </a:lvl9pPr>
   </p:defaultTextStyle>
+  <p:extLst>
+    <p:ext uri="{EFAFB233-063F-42B5-8137-9DF3F51BA10A}">
+      <p15:sldGuideLst xmlns:p15="http://schemas.microsoft.com/office/powerpoint/2012/main"/>
+    </p:ext>
+  </p:extLst>
 </p:presentation>
+</file>
+
+<file path=ppt/revisionInfo.xml><?xml version="1.0" encoding="utf-8"?>
+<p1510:revInfo xmlns:a="http://schemas.openxmlformats.org/drawingml/2006/main" xmlns:r="http://schemas.openxmlformats.org/officeDocument/2006/relationships" xmlns:p1510="http://schemas.microsoft.com/office/powerpoint/2015/10/main">
+  <p1510:revLst>
+    <p1510:client id="{C801FEFC-1259-4438-8DD0-1CB3F4850461}" v="196" dt="2020-04-13T07:44:43.929"/>
+  </p1510:revLst>
+</p1510:revInfo>
+</file>
+
+<file path=ppt/changesInfos/changesInfo1.xml><?xml version="1.0" encoding="utf-8"?>
+<pc:chgInfo xmlns:a="http://schemas.openxmlformats.org/drawingml/2006/main" xmlns:r="http://schemas.openxmlformats.org/officeDocument/2006/relationships" xmlns:ac="http://schemas.microsoft.com/office/drawing/2013/main/command" xmlns:pc="http://schemas.microsoft.com/office/powerpoint/2013/main/command">
+  <pc:docChgLst>
+    <pc:chgData name="andysungtw andysungtw" userId="e450c86b5c55b238" providerId="LiveId" clId="{C801FEFC-1259-4438-8DD0-1CB3F4850461}"/>
+    <pc:docChg chg="undo custSel addSld delSld modSld sldOrd">
+      <pc:chgData name="andysungtw andysungtw" userId="e450c86b5c55b238" providerId="LiveId" clId="{C801FEFC-1259-4438-8DD0-1CB3F4850461}" dt="2020-04-13T07:45:24.593" v="1414" actId="1076"/>
+      <pc:docMkLst>
+        <pc:docMk/>
+      </pc:docMkLst>
+      <pc:sldChg chg="modSp">
+        <pc:chgData name="andysungtw andysungtw" userId="e450c86b5c55b238" providerId="LiveId" clId="{C801FEFC-1259-4438-8DD0-1CB3F4850461}" dt="2020-04-13T07:40:47.960" v="1259"/>
+        <pc:sldMkLst>
+          <pc:docMk/>
+          <pc:sldMk cId="1150069666" sldId="256"/>
+        </pc:sldMkLst>
+        <pc:spChg chg="mod">
+          <ac:chgData name="andysungtw andysungtw" userId="e450c86b5c55b238" providerId="LiveId" clId="{C801FEFC-1259-4438-8DD0-1CB3F4850461}" dt="2020-04-13T07:40:47.960" v="1259"/>
+          <ac:spMkLst>
+            <pc:docMk/>
+            <pc:sldMk cId="1150069666" sldId="256"/>
+            <ac:spMk id="11" creationId="{AD8FF876-8464-4DEF-8789-E2AE285F9532}"/>
+          </ac:spMkLst>
+        </pc:spChg>
+      </pc:sldChg>
+      <pc:sldChg chg="modSp">
+        <pc:chgData name="andysungtw andysungtw" userId="e450c86b5c55b238" providerId="LiveId" clId="{C801FEFC-1259-4438-8DD0-1CB3F4850461}" dt="2020-04-13T07:45:01.485" v="1411" actId="1076"/>
+        <pc:sldMkLst>
+          <pc:docMk/>
+          <pc:sldMk cId="217943833" sldId="257"/>
+        </pc:sldMkLst>
+        <pc:spChg chg="mod">
+          <ac:chgData name="andysungtw andysungtw" userId="e450c86b5c55b238" providerId="LiveId" clId="{C801FEFC-1259-4438-8DD0-1CB3F4850461}" dt="2020-04-13T07:44:50.349" v="1410" actId="1076"/>
+          <ac:spMkLst>
+            <pc:docMk/>
+            <pc:sldMk cId="217943833" sldId="257"/>
+            <ac:spMk id="7" creationId="{D14B663F-6B60-4A99-B0FA-A3458A149EE6}"/>
+          </ac:spMkLst>
+        </pc:spChg>
+        <pc:spChg chg="mod">
+          <ac:chgData name="andysungtw andysungtw" userId="e450c86b5c55b238" providerId="LiveId" clId="{C801FEFC-1259-4438-8DD0-1CB3F4850461}" dt="2020-04-13T07:45:01.485" v="1411" actId="1076"/>
+          <ac:spMkLst>
+            <pc:docMk/>
+            <pc:sldMk cId="217943833" sldId="257"/>
+            <ac:spMk id="8" creationId="{A96718A8-1D17-42DF-B705-A2ADC5F42F6B}"/>
+          </ac:spMkLst>
+        </pc:spChg>
+      </pc:sldChg>
+      <pc:sldChg chg="modSp">
+        <pc:chgData name="andysungtw andysungtw" userId="e450c86b5c55b238" providerId="LiveId" clId="{C801FEFC-1259-4438-8DD0-1CB3F4850461}" dt="2020-04-13T07:41:37.833" v="1264"/>
+        <pc:sldMkLst>
+          <pc:docMk/>
+          <pc:sldMk cId="210069953" sldId="260"/>
+        </pc:sldMkLst>
+        <pc:spChg chg="mod">
+          <ac:chgData name="andysungtw andysungtw" userId="e450c86b5c55b238" providerId="LiveId" clId="{C801FEFC-1259-4438-8DD0-1CB3F4850461}" dt="2020-04-13T07:41:37.833" v="1264"/>
+          <ac:spMkLst>
+            <pc:docMk/>
+            <pc:sldMk cId="210069953" sldId="260"/>
+            <ac:spMk id="8" creationId="{60AE69D6-8926-4122-8ADE-E695C918209B}"/>
+          </ac:spMkLst>
+        </pc:spChg>
+      </pc:sldChg>
+      <pc:sldChg chg="modSp">
+        <pc:chgData name="andysungtw andysungtw" userId="e450c86b5c55b238" providerId="LiveId" clId="{C801FEFC-1259-4438-8DD0-1CB3F4850461}" dt="2020-04-13T07:24:25.078" v="93"/>
+        <pc:sldMkLst>
+          <pc:docMk/>
+          <pc:sldMk cId="4225443538" sldId="268"/>
+        </pc:sldMkLst>
+        <pc:spChg chg="mod">
+          <ac:chgData name="andysungtw andysungtw" userId="e450c86b5c55b238" providerId="LiveId" clId="{C801FEFC-1259-4438-8DD0-1CB3F4850461}" dt="2020-04-13T07:24:02.569" v="57"/>
+          <ac:spMkLst>
+            <pc:docMk/>
+            <pc:sldMk cId="4225443538" sldId="268"/>
+            <ac:spMk id="7" creationId="{90A750B6-173B-4D83-A9EF-DF27401E3DEC}"/>
+          </ac:spMkLst>
+        </pc:spChg>
+        <pc:spChg chg="mod">
+          <ac:chgData name="andysungtw andysungtw" userId="e450c86b5c55b238" providerId="LiveId" clId="{C801FEFC-1259-4438-8DD0-1CB3F4850461}" dt="2020-04-13T07:24:25.078" v="93"/>
+          <ac:spMkLst>
+            <pc:docMk/>
+            <pc:sldMk cId="4225443538" sldId="268"/>
+            <ac:spMk id="8" creationId="{5DE08B10-7B07-455D-9420-E9AD4E745DAB}"/>
+          </ac:spMkLst>
+        </pc:spChg>
+      </pc:sldChg>
+      <pc:sldChg chg="add del">
+        <pc:chgData name="andysungtw andysungtw" userId="e450c86b5c55b238" providerId="LiveId" clId="{C801FEFC-1259-4438-8DD0-1CB3F4850461}" dt="2020-04-13T07:24:46.869" v="95" actId="47"/>
+        <pc:sldMkLst>
+          <pc:docMk/>
+          <pc:sldMk cId="102752677" sldId="270"/>
+        </pc:sldMkLst>
+      </pc:sldChg>
+      <pc:sldChg chg="modSp">
+        <pc:chgData name="andysungtw andysungtw" userId="e450c86b5c55b238" providerId="LiveId" clId="{C801FEFC-1259-4438-8DD0-1CB3F4850461}" dt="2020-04-13T07:25:39.963" v="181"/>
+        <pc:sldMkLst>
+          <pc:docMk/>
+          <pc:sldMk cId="1940897726" sldId="271"/>
+        </pc:sldMkLst>
+        <pc:spChg chg="mod">
+          <ac:chgData name="andysungtw andysungtw" userId="e450c86b5c55b238" providerId="LiveId" clId="{C801FEFC-1259-4438-8DD0-1CB3F4850461}" dt="2020-04-13T07:25:26.145" v="150"/>
+          <ac:spMkLst>
+            <pc:docMk/>
+            <pc:sldMk cId="1940897726" sldId="271"/>
+            <ac:spMk id="7" creationId="{59E8547D-5BC6-4082-B605-368F5C77D7C7}"/>
+          </ac:spMkLst>
+        </pc:spChg>
+        <pc:spChg chg="mod">
+          <ac:chgData name="andysungtw andysungtw" userId="e450c86b5c55b238" providerId="LiveId" clId="{C801FEFC-1259-4438-8DD0-1CB3F4850461}" dt="2020-04-13T07:25:39.963" v="181"/>
+          <ac:spMkLst>
+            <pc:docMk/>
+            <pc:sldMk cId="1940897726" sldId="271"/>
+            <ac:spMk id="8" creationId="{059071B0-CAE6-4F80-86E0-8C559CED54C2}"/>
+          </ac:spMkLst>
+        </pc:spChg>
+      </pc:sldChg>
+      <pc:sldChg chg="modSp ord">
+        <pc:chgData name="andysungtw andysungtw" userId="e450c86b5c55b238" providerId="LiveId" clId="{C801FEFC-1259-4438-8DD0-1CB3F4850461}" dt="2020-04-13T07:42:04.063" v="1271"/>
+        <pc:sldMkLst>
+          <pc:docMk/>
+          <pc:sldMk cId="3490030455" sldId="272"/>
+        </pc:sldMkLst>
+        <pc:spChg chg="mod">
+          <ac:chgData name="andysungtw andysungtw" userId="e450c86b5c55b238" providerId="LiveId" clId="{C801FEFC-1259-4438-8DD0-1CB3F4850461}" dt="2020-04-13T07:26:37.712" v="275"/>
+          <ac:spMkLst>
+            <pc:docMk/>
+            <pc:sldMk cId="3490030455" sldId="272"/>
+            <ac:spMk id="7" creationId="{59E8547D-5BC6-4082-B605-368F5C77D7C7}"/>
+          </ac:spMkLst>
+        </pc:spChg>
+        <pc:spChg chg="mod">
+          <ac:chgData name="andysungtw andysungtw" userId="e450c86b5c55b238" providerId="LiveId" clId="{C801FEFC-1259-4438-8DD0-1CB3F4850461}" dt="2020-04-13T07:42:04.063" v="1271"/>
+          <ac:spMkLst>
+            <pc:docMk/>
+            <pc:sldMk cId="3490030455" sldId="272"/>
+            <ac:spMk id="8" creationId="{059071B0-CAE6-4F80-86E0-8C559CED54C2}"/>
+          </ac:spMkLst>
+        </pc:spChg>
+      </pc:sldChg>
+      <pc:sldChg chg="modSp">
+        <pc:chgData name="andysungtw andysungtw" userId="e450c86b5c55b238" providerId="LiveId" clId="{C801FEFC-1259-4438-8DD0-1CB3F4850461}" dt="2020-04-13T07:28:40.078" v="404"/>
+        <pc:sldMkLst>
+          <pc:docMk/>
+          <pc:sldMk cId="3544911399" sldId="273"/>
+        </pc:sldMkLst>
+        <pc:spChg chg="mod">
+          <ac:chgData name="andysungtw andysungtw" userId="e450c86b5c55b238" providerId="LiveId" clId="{C801FEFC-1259-4438-8DD0-1CB3F4850461}" dt="2020-04-13T07:28:21.284" v="378"/>
+          <ac:spMkLst>
+            <pc:docMk/>
+            <pc:sldMk cId="3544911399" sldId="273"/>
+            <ac:spMk id="7" creationId="{59E8547D-5BC6-4082-B605-368F5C77D7C7}"/>
+          </ac:spMkLst>
+        </pc:spChg>
+        <pc:spChg chg="mod">
+          <ac:chgData name="andysungtw andysungtw" userId="e450c86b5c55b238" providerId="LiveId" clId="{C801FEFC-1259-4438-8DD0-1CB3F4850461}" dt="2020-04-13T07:28:40.078" v="404"/>
+          <ac:spMkLst>
+            <pc:docMk/>
+            <pc:sldMk cId="3544911399" sldId="273"/>
+            <ac:spMk id="8" creationId="{059071B0-CAE6-4F80-86E0-8C559CED54C2}"/>
+          </ac:spMkLst>
+        </pc:spChg>
+      </pc:sldChg>
+      <pc:sldChg chg="modSp">
+        <pc:chgData name="andysungtw andysungtw" userId="e450c86b5c55b238" providerId="LiveId" clId="{C801FEFC-1259-4438-8DD0-1CB3F4850461}" dt="2020-04-13T07:30:47.537" v="494" actId="6549"/>
+        <pc:sldMkLst>
+          <pc:docMk/>
+          <pc:sldMk cId="1690396133" sldId="274"/>
+        </pc:sldMkLst>
+        <pc:spChg chg="mod">
+          <ac:chgData name="andysungtw andysungtw" userId="e450c86b5c55b238" providerId="LiveId" clId="{C801FEFC-1259-4438-8DD0-1CB3F4850461}" dt="2020-04-13T07:30:22.423" v="471"/>
+          <ac:spMkLst>
+            <pc:docMk/>
+            <pc:sldMk cId="1690396133" sldId="274"/>
+            <ac:spMk id="7" creationId="{59E8547D-5BC6-4082-B605-368F5C77D7C7}"/>
+          </ac:spMkLst>
+        </pc:spChg>
+        <pc:spChg chg="mod">
+          <ac:chgData name="andysungtw andysungtw" userId="e450c86b5c55b238" providerId="LiveId" clId="{C801FEFC-1259-4438-8DD0-1CB3F4850461}" dt="2020-04-13T07:30:47.537" v="494" actId="6549"/>
+          <ac:spMkLst>
+            <pc:docMk/>
+            <pc:sldMk cId="1690396133" sldId="274"/>
+            <ac:spMk id="8" creationId="{059071B0-CAE6-4F80-86E0-8C559CED54C2}"/>
+          </ac:spMkLst>
+        </pc:spChg>
+      </pc:sldChg>
+      <pc:sldChg chg="modSp">
+        <pc:chgData name="andysungtw andysungtw" userId="e450c86b5c55b238" providerId="LiveId" clId="{C801FEFC-1259-4438-8DD0-1CB3F4850461}" dt="2020-04-13T07:32:43.660" v="630"/>
+        <pc:sldMkLst>
+          <pc:docMk/>
+          <pc:sldMk cId="2642201227" sldId="275"/>
+        </pc:sldMkLst>
+        <pc:spChg chg="mod">
+          <ac:chgData name="andysungtw andysungtw" userId="e450c86b5c55b238" providerId="LiveId" clId="{C801FEFC-1259-4438-8DD0-1CB3F4850461}" dt="2020-04-13T07:31:53.753" v="561"/>
+          <ac:spMkLst>
+            <pc:docMk/>
+            <pc:sldMk cId="2642201227" sldId="275"/>
+            <ac:spMk id="7" creationId="{59E8547D-5BC6-4082-B605-368F5C77D7C7}"/>
+          </ac:spMkLst>
+        </pc:spChg>
+        <pc:spChg chg="mod">
+          <ac:chgData name="andysungtw andysungtw" userId="e450c86b5c55b238" providerId="LiveId" clId="{C801FEFC-1259-4438-8DD0-1CB3F4850461}" dt="2020-04-13T07:32:43.660" v="630"/>
+          <ac:spMkLst>
+            <pc:docMk/>
+            <pc:sldMk cId="2642201227" sldId="275"/>
+            <ac:spMk id="8" creationId="{059071B0-CAE6-4F80-86E0-8C559CED54C2}"/>
+          </ac:spMkLst>
+        </pc:spChg>
+      </pc:sldChg>
+      <pc:sldChg chg="modSp">
+        <pc:chgData name="andysungtw andysungtw" userId="e450c86b5c55b238" providerId="LiveId" clId="{C801FEFC-1259-4438-8DD0-1CB3F4850461}" dt="2020-04-13T07:45:17.714" v="1413" actId="1036"/>
+        <pc:sldMkLst>
+          <pc:docMk/>
+          <pc:sldMk cId="1927045416" sldId="276"/>
+        </pc:sldMkLst>
+        <pc:spChg chg="mod">
+          <ac:chgData name="andysungtw andysungtw" userId="e450c86b5c55b238" providerId="LiveId" clId="{C801FEFC-1259-4438-8DD0-1CB3F4850461}" dt="2020-04-13T07:33:41.414" v="703" actId="20577"/>
+          <ac:spMkLst>
+            <pc:docMk/>
+            <pc:sldMk cId="1927045416" sldId="276"/>
+            <ac:spMk id="7" creationId="{59E8547D-5BC6-4082-B605-368F5C77D7C7}"/>
+          </ac:spMkLst>
+        </pc:spChg>
+        <pc:spChg chg="mod">
+          <ac:chgData name="andysungtw andysungtw" userId="e450c86b5c55b238" providerId="LiveId" clId="{C801FEFC-1259-4438-8DD0-1CB3F4850461}" dt="2020-04-13T07:45:17.714" v="1413" actId="1036"/>
+          <ac:spMkLst>
+            <pc:docMk/>
+            <pc:sldMk cId="1927045416" sldId="276"/>
+            <ac:spMk id="8" creationId="{059071B0-CAE6-4F80-86E0-8C559CED54C2}"/>
+          </ac:spMkLst>
+        </pc:spChg>
+      </pc:sldChg>
+      <pc:sldChg chg="modSp">
+        <pc:chgData name="andysungtw andysungtw" userId="e450c86b5c55b238" providerId="LiveId" clId="{C801FEFC-1259-4438-8DD0-1CB3F4850461}" dt="2020-04-13T07:37:37.744" v="937"/>
+        <pc:sldMkLst>
+          <pc:docMk/>
+          <pc:sldMk cId="2344812084" sldId="277"/>
+        </pc:sldMkLst>
+        <pc:spChg chg="mod">
+          <ac:chgData name="andysungtw andysungtw" userId="e450c86b5c55b238" providerId="LiveId" clId="{C801FEFC-1259-4438-8DD0-1CB3F4850461}" dt="2020-04-13T07:37:20.982" v="902"/>
+          <ac:spMkLst>
+            <pc:docMk/>
+            <pc:sldMk cId="2344812084" sldId="277"/>
+            <ac:spMk id="7" creationId="{59E8547D-5BC6-4082-B605-368F5C77D7C7}"/>
+          </ac:spMkLst>
+        </pc:spChg>
+        <pc:spChg chg="mod">
+          <ac:chgData name="andysungtw andysungtw" userId="e450c86b5c55b238" providerId="LiveId" clId="{C801FEFC-1259-4438-8DD0-1CB3F4850461}" dt="2020-04-13T07:37:37.744" v="937"/>
+          <ac:spMkLst>
+            <pc:docMk/>
+            <pc:sldMk cId="2344812084" sldId="277"/>
+            <ac:spMk id="8" creationId="{059071B0-CAE6-4F80-86E0-8C559CED54C2}"/>
+          </ac:spMkLst>
+        </pc:spChg>
+      </pc:sldChg>
+      <pc:sldChg chg="modSp">
+        <pc:chgData name="andysungtw andysungtw" userId="e450c86b5c55b238" providerId="LiveId" clId="{C801FEFC-1259-4438-8DD0-1CB3F4850461}" dt="2020-04-13T07:38:36.049" v="1060"/>
+        <pc:sldMkLst>
+          <pc:docMk/>
+          <pc:sldMk cId="443527999" sldId="278"/>
+        </pc:sldMkLst>
+        <pc:spChg chg="mod">
+          <ac:chgData name="andysungtw andysungtw" userId="e450c86b5c55b238" providerId="LiveId" clId="{C801FEFC-1259-4438-8DD0-1CB3F4850461}" dt="2020-04-13T07:38:28.934" v="1041"/>
+          <ac:spMkLst>
+            <pc:docMk/>
+            <pc:sldMk cId="443527999" sldId="278"/>
+            <ac:spMk id="7" creationId="{59E8547D-5BC6-4082-B605-368F5C77D7C7}"/>
+          </ac:spMkLst>
+        </pc:spChg>
+        <pc:spChg chg="mod">
+          <ac:chgData name="andysungtw andysungtw" userId="e450c86b5c55b238" providerId="LiveId" clId="{C801FEFC-1259-4438-8DD0-1CB3F4850461}" dt="2020-04-13T07:38:36.049" v="1060"/>
+          <ac:spMkLst>
+            <pc:docMk/>
+            <pc:sldMk cId="443527999" sldId="278"/>
+            <ac:spMk id="8" creationId="{059071B0-CAE6-4F80-86E0-8C559CED54C2}"/>
+          </ac:spMkLst>
+        </pc:spChg>
+      </pc:sldChg>
+      <pc:sldChg chg="modSp">
+        <pc:chgData name="andysungtw andysungtw" userId="e450c86b5c55b238" providerId="LiveId" clId="{C801FEFC-1259-4438-8DD0-1CB3F4850461}" dt="2020-04-13T07:45:24.593" v="1414" actId="1076"/>
+        <pc:sldMkLst>
+          <pc:docMk/>
+          <pc:sldMk cId="2043469060" sldId="279"/>
+        </pc:sldMkLst>
+        <pc:spChg chg="mod">
+          <ac:chgData name="andysungtw andysungtw" userId="e450c86b5c55b238" providerId="LiveId" clId="{C801FEFC-1259-4438-8DD0-1CB3F4850461}" dt="2020-04-13T07:39:14.739" v="1149"/>
+          <ac:spMkLst>
+            <pc:docMk/>
+            <pc:sldMk cId="2043469060" sldId="279"/>
+            <ac:spMk id="7" creationId="{59E8547D-5BC6-4082-B605-368F5C77D7C7}"/>
+          </ac:spMkLst>
+        </pc:spChg>
+        <pc:spChg chg="mod">
+          <ac:chgData name="andysungtw andysungtw" userId="e450c86b5c55b238" providerId="LiveId" clId="{C801FEFC-1259-4438-8DD0-1CB3F4850461}" dt="2020-04-13T07:45:24.593" v="1414" actId="1076"/>
+          <ac:spMkLst>
+            <pc:docMk/>
+            <pc:sldMk cId="2043469060" sldId="279"/>
+            <ac:spMk id="8" creationId="{059071B0-CAE6-4F80-86E0-8C559CED54C2}"/>
+          </ac:spMkLst>
+        </pc:spChg>
+      </pc:sldChg>
+    </pc:docChg>
+  </pc:docChgLst>
+</pc:chgInfo>
 </file>
 
 <file path=ppt/slideLayouts/slideLayout1.xml><?xml version="1.0" encoding="utf-8"?>
@@ -251,7 +577,7 @@
           <a:p>
             <a:fld id="{C6A87030-3A09-49C2-B383-1CD99E87AA83}" type="datetimeFigureOut">
               <a:rPr lang="zh-TW" altLang="en-US" smtClean="0"/>
-              <a:t>2020/3/23</a:t>
+              <a:t>2020/4/13</a:t>
             </a:fld>
             <a:endParaRPr lang="zh-TW" altLang="en-US"/>
           </a:p>
@@ -421,7 +747,7 @@
           <a:p>
             <a:fld id="{C6A87030-3A09-49C2-B383-1CD99E87AA83}" type="datetimeFigureOut">
               <a:rPr lang="zh-TW" altLang="en-US" smtClean="0"/>
-              <a:t>2020/3/23</a:t>
+              <a:t>2020/4/13</a:t>
             </a:fld>
             <a:endParaRPr lang="zh-TW" altLang="en-US"/>
           </a:p>
@@ -601,7 +927,7 @@
           <a:p>
             <a:fld id="{C6A87030-3A09-49C2-B383-1CD99E87AA83}" type="datetimeFigureOut">
               <a:rPr lang="zh-TW" altLang="en-US" smtClean="0"/>
-              <a:t>2020/3/23</a:t>
+              <a:t>2020/4/13</a:t>
             </a:fld>
             <a:endParaRPr lang="zh-TW" altLang="en-US"/>
           </a:p>
@@ -771,7 +1097,7 @@
           <a:p>
             <a:fld id="{C6A87030-3A09-49C2-B383-1CD99E87AA83}" type="datetimeFigureOut">
               <a:rPr lang="zh-TW" altLang="en-US" smtClean="0"/>
-              <a:t>2020/3/23</a:t>
+              <a:t>2020/4/13</a:t>
             </a:fld>
             <a:endParaRPr lang="zh-TW" altLang="en-US"/>
           </a:p>
@@ -1017,7 +1343,7 @@
           <a:p>
             <a:fld id="{C6A87030-3A09-49C2-B383-1CD99E87AA83}" type="datetimeFigureOut">
               <a:rPr lang="zh-TW" altLang="en-US" smtClean="0"/>
-              <a:t>2020/3/23</a:t>
+              <a:t>2020/4/13</a:t>
             </a:fld>
             <a:endParaRPr lang="zh-TW" altLang="en-US"/>
           </a:p>
@@ -1249,7 +1575,7 @@
           <a:p>
             <a:fld id="{C6A87030-3A09-49C2-B383-1CD99E87AA83}" type="datetimeFigureOut">
               <a:rPr lang="zh-TW" altLang="en-US" smtClean="0"/>
-              <a:t>2020/3/23</a:t>
+              <a:t>2020/4/13</a:t>
             </a:fld>
             <a:endParaRPr lang="zh-TW" altLang="en-US"/>
           </a:p>
@@ -1616,7 +1942,7 @@
           <a:p>
             <a:fld id="{C6A87030-3A09-49C2-B383-1CD99E87AA83}" type="datetimeFigureOut">
               <a:rPr lang="zh-TW" altLang="en-US" smtClean="0"/>
-              <a:t>2020/3/23</a:t>
+              <a:t>2020/4/13</a:t>
             </a:fld>
             <a:endParaRPr lang="zh-TW" altLang="en-US"/>
           </a:p>
@@ -1734,7 +2060,7 @@
           <a:p>
             <a:fld id="{C6A87030-3A09-49C2-B383-1CD99E87AA83}" type="datetimeFigureOut">
               <a:rPr lang="zh-TW" altLang="en-US" smtClean="0"/>
-              <a:t>2020/3/23</a:t>
+              <a:t>2020/4/13</a:t>
             </a:fld>
             <a:endParaRPr lang="zh-TW" altLang="en-US"/>
           </a:p>
@@ -1829,7 +2155,7 @@
           <a:p>
             <a:fld id="{C6A87030-3A09-49C2-B383-1CD99E87AA83}" type="datetimeFigureOut">
               <a:rPr lang="zh-TW" altLang="en-US" smtClean="0"/>
-              <a:t>2020/3/23</a:t>
+              <a:t>2020/4/13</a:t>
             </a:fld>
             <a:endParaRPr lang="zh-TW" altLang="en-US"/>
           </a:p>
@@ -2106,7 +2432,7 @@
           <a:p>
             <a:fld id="{C6A87030-3A09-49C2-B383-1CD99E87AA83}" type="datetimeFigureOut">
               <a:rPr lang="zh-TW" altLang="en-US" smtClean="0"/>
-              <a:t>2020/3/23</a:t>
+              <a:t>2020/4/13</a:t>
             </a:fld>
             <a:endParaRPr lang="zh-TW" altLang="en-US"/>
           </a:p>
@@ -2363,7 +2689,7 @@
           <a:p>
             <a:fld id="{C6A87030-3A09-49C2-B383-1CD99E87AA83}" type="datetimeFigureOut">
               <a:rPr lang="zh-TW" altLang="en-US" smtClean="0"/>
-              <a:t>2020/3/23</a:t>
+              <a:t>2020/4/13</a:t>
             </a:fld>
             <a:endParaRPr lang="zh-TW" altLang="en-US"/>
           </a:p>
@@ -2576,7 +2902,7 @@
           <a:p>
             <a:fld id="{C6A87030-3A09-49C2-B383-1CD99E87AA83}" type="datetimeFigureOut">
               <a:rPr lang="zh-TW" altLang="en-US" smtClean="0"/>
-              <a:t>2020/3/23</a:t>
+              <a:t>2020/4/13</a:t>
             </a:fld>
             <a:endParaRPr lang="zh-TW" altLang="en-US"/>
           </a:p>
@@ -3214,21 +3540,16 @@
             <a:pPr algn="ctr"/>
             <a:r>
               <a:rPr lang="zh-TW" altLang="en-US" sz="1200" dirty="0"/>
-              <a:t>保持單腳站立直到下回合</a:t>
-            </a:r>
-            <a:endParaRPr lang="en-US" altLang="zh-TW" sz="1200" dirty="0"/>
-          </a:p>
-          <a:p>
-            <a:pPr algn="ctr"/>
-            <a:r>
-              <a:rPr lang="zh-TW" altLang="en-US" sz="1200" dirty="0"/>
-              <a:t>成功獲得</a:t>
+              <a:t>獲得</a:t>
             </a:r>
             <a:r>
               <a:rPr lang="en-US" altLang="zh-TW" sz="1200" dirty="0"/>
               <a:t>$3000</a:t>
             </a:r>
-            <a:endParaRPr lang="zh-TW" altLang="en-US" sz="1200" dirty="0"/>
+            <a:r>
+              <a:rPr lang="zh-TW" altLang="en-US" sz="1200" dirty="0"/>
+              <a:t>，但腳麻了暫停一回合</a:t>
+            </a:r>
           </a:p>
         </p:txBody>
       </p:sp>
@@ -4255,7 +4576,7 @@
           <p:cNvPr id="2" name="標題 1">
             <a:extLst>
               <a:ext uri="{FF2B5EF4-FFF2-40B4-BE49-F238E27FC236}">
-                <a16:creationId xmlns:a16="http://schemas.microsoft.com/office/drawing/2014/main" id="{174820B1-A482-41FB-8F29-368F38CBFAA7}"/>
+                <a16:creationId xmlns:a16="http://schemas.microsoft.com/office/drawing/2014/main" id="{8BCFE509-2EAC-4FE4-9E08-46AF8E560004}"/>
               </a:ext>
             </a:extLst>
           </p:cNvPr>
@@ -4280,7 +4601,7 @@
           <p:cNvPr id="3" name="內容版面配置區 2">
             <a:extLst>
               <a:ext uri="{FF2B5EF4-FFF2-40B4-BE49-F238E27FC236}">
-                <a16:creationId xmlns:a16="http://schemas.microsoft.com/office/drawing/2014/main" id="{9722C579-9BF9-4F84-90EA-EEF24DC79C1E}"/>
+                <a16:creationId xmlns:a16="http://schemas.microsoft.com/office/drawing/2014/main" id="{4AA239E5-0D38-4F5B-A030-535F0AACCC7D}"/>
               </a:ext>
             </a:extLst>
           </p:cNvPr>
@@ -4305,7 +4626,7 @@
           <p:cNvPr id="4" name="矩形 3">
             <a:extLst>
               <a:ext uri="{FF2B5EF4-FFF2-40B4-BE49-F238E27FC236}">
-                <a16:creationId xmlns:a16="http://schemas.microsoft.com/office/drawing/2014/main" id="{F394EB3F-B9F4-42BA-AD04-73D3E27F6E4D}"/>
+                <a16:creationId xmlns:a16="http://schemas.microsoft.com/office/drawing/2014/main" id="{A8220006-257B-4407-95BC-8CCC9C06246F}"/>
               </a:ext>
             </a:extLst>
           </p:cNvPr>
@@ -4357,7 +4678,7 @@
           <p:cNvPr id="5" name="矩形 4">
             <a:extLst>
               <a:ext uri="{FF2B5EF4-FFF2-40B4-BE49-F238E27FC236}">
-                <a16:creationId xmlns:a16="http://schemas.microsoft.com/office/drawing/2014/main" id="{94DD4579-BE00-44E9-84E2-A2E408AC299C}"/>
+                <a16:creationId xmlns:a16="http://schemas.microsoft.com/office/drawing/2014/main" id="{29A42128-E2BE-4222-A477-0512E45385EB}"/>
               </a:ext>
             </a:extLst>
           </p:cNvPr>
@@ -4413,7 +4734,7 @@
           <p:cNvPr id="6" name="矩形 5">
             <a:extLst>
               <a:ext uri="{FF2B5EF4-FFF2-40B4-BE49-F238E27FC236}">
-                <a16:creationId xmlns:a16="http://schemas.microsoft.com/office/drawing/2014/main" id="{206FB9E9-B142-40B5-AEF6-B6E6BAC2C1BA}"/>
+                <a16:creationId xmlns:a16="http://schemas.microsoft.com/office/drawing/2014/main" id="{27AC5CA8-59E4-471D-85E2-8DB66E35C2F8}"/>
               </a:ext>
             </a:extLst>
           </p:cNvPr>
@@ -4471,7 +4792,7 @@
           <p:cNvPr id="7" name="文字方塊 6">
             <a:extLst>
               <a:ext uri="{FF2B5EF4-FFF2-40B4-BE49-F238E27FC236}">
-                <a16:creationId xmlns:a16="http://schemas.microsoft.com/office/drawing/2014/main" id="{90A750B6-173B-4D83-A9EF-DF27401E3DEC}"/>
+                <a16:creationId xmlns:a16="http://schemas.microsoft.com/office/drawing/2014/main" id="{59E8547D-5BC6-4082-B605-368F5C77D7C7}"/>
               </a:ext>
             </a:extLst>
           </p:cNvPr>
@@ -4505,7 +4826,7 @@
                   </a:schemeClr>
                 </a:solidFill>
               </a:rPr>
-              <a:t>力行生態保育概念，到澳大利亞協助無尾熊保育工作</a:t>
+              <a:t>努力推廣歷史知識，到台北故宮擔任戰國特展解說義工</a:t>
             </a:r>
           </a:p>
         </p:txBody>
@@ -4515,7 +4836,7 @@
           <p:cNvPr id="8" name="文字方塊 7">
             <a:extLst>
               <a:ext uri="{FF2B5EF4-FFF2-40B4-BE49-F238E27FC236}">
-                <a16:creationId xmlns:a16="http://schemas.microsoft.com/office/drawing/2014/main" id="{5DE08B10-7B07-455D-9420-E9AD4E745DAB}"/>
+                <a16:creationId xmlns:a16="http://schemas.microsoft.com/office/drawing/2014/main" id="{059071B0-CAE6-4F80-86E0-8C559CED54C2}"/>
               </a:ext>
             </a:extLst>
           </p:cNvPr>
@@ -4541,11 +4862,11 @@
             <a:pPr algn="ctr"/>
             <a:r>
               <a:rPr lang="zh-TW" altLang="en-US" sz="1200" dirty="0"/>
-              <a:t>獲得獎金</a:t>
+              <a:t>領取獎勵金</a:t>
             </a:r>
             <a:r>
               <a:rPr lang="en-US" altLang="zh-TW" sz="1200" dirty="0"/>
-              <a:t>$1500</a:t>
+              <a:t>$600</a:t>
             </a:r>
             <a:endParaRPr lang="zh-TW" altLang="en-US" sz="1200" dirty="0"/>
           </a:p>
@@ -4554,7 +4875,7 @@
     </p:spTree>
     <p:extLst>
       <p:ext uri="{BB962C8B-B14F-4D97-AF65-F5344CB8AC3E}">
-        <p14:creationId xmlns:p14="http://schemas.microsoft.com/office/powerpoint/2010/main" val="4225443538"/>
+        <p14:creationId xmlns:p14="http://schemas.microsoft.com/office/powerpoint/2010/main" val="3490030455"/>
       </p:ext>
     </p:extLst>
   </p:cSld>
@@ -4586,7 +4907,7 @@
           <p:cNvPr id="2" name="標題 1">
             <a:extLst>
               <a:ext uri="{FF2B5EF4-FFF2-40B4-BE49-F238E27FC236}">
-                <a16:creationId xmlns:a16="http://schemas.microsoft.com/office/drawing/2014/main" id="{8BCFE509-2EAC-4FE4-9E08-46AF8E560004}"/>
+                <a16:creationId xmlns:a16="http://schemas.microsoft.com/office/drawing/2014/main" id="{174820B1-A482-41FB-8F29-368F38CBFAA7}"/>
               </a:ext>
             </a:extLst>
           </p:cNvPr>
@@ -4611,7 +4932,7 @@
           <p:cNvPr id="3" name="內容版面配置區 2">
             <a:extLst>
               <a:ext uri="{FF2B5EF4-FFF2-40B4-BE49-F238E27FC236}">
-                <a16:creationId xmlns:a16="http://schemas.microsoft.com/office/drawing/2014/main" id="{4AA239E5-0D38-4F5B-A030-535F0AACCC7D}"/>
+                <a16:creationId xmlns:a16="http://schemas.microsoft.com/office/drawing/2014/main" id="{9722C579-9BF9-4F84-90EA-EEF24DC79C1E}"/>
               </a:ext>
             </a:extLst>
           </p:cNvPr>
@@ -4636,7 +4957,7 @@
           <p:cNvPr id="4" name="矩形 3">
             <a:extLst>
               <a:ext uri="{FF2B5EF4-FFF2-40B4-BE49-F238E27FC236}">
-                <a16:creationId xmlns:a16="http://schemas.microsoft.com/office/drawing/2014/main" id="{A8220006-257B-4407-95BC-8CCC9C06246F}"/>
+                <a16:creationId xmlns:a16="http://schemas.microsoft.com/office/drawing/2014/main" id="{F394EB3F-B9F4-42BA-AD04-73D3E27F6E4D}"/>
               </a:ext>
             </a:extLst>
           </p:cNvPr>
@@ -4688,7 +5009,7 @@
           <p:cNvPr id="5" name="矩形 4">
             <a:extLst>
               <a:ext uri="{FF2B5EF4-FFF2-40B4-BE49-F238E27FC236}">
-                <a16:creationId xmlns:a16="http://schemas.microsoft.com/office/drawing/2014/main" id="{29A42128-E2BE-4222-A477-0512E45385EB}"/>
+                <a16:creationId xmlns:a16="http://schemas.microsoft.com/office/drawing/2014/main" id="{94DD4579-BE00-44E9-84E2-A2E408AC299C}"/>
               </a:ext>
             </a:extLst>
           </p:cNvPr>
@@ -4744,7 +5065,7 @@
           <p:cNvPr id="6" name="矩形 5">
             <a:extLst>
               <a:ext uri="{FF2B5EF4-FFF2-40B4-BE49-F238E27FC236}">
-                <a16:creationId xmlns:a16="http://schemas.microsoft.com/office/drawing/2014/main" id="{27AC5CA8-59E4-471D-85E2-8DB66E35C2F8}"/>
+                <a16:creationId xmlns:a16="http://schemas.microsoft.com/office/drawing/2014/main" id="{206FB9E9-B142-40B5-AEF6-B6E6BAC2C1BA}"/>
               </a:ext>
             </a:extLst>
           </p:cNvPr>
@@ -4802,6 +5123,357 @@
           <p:cNvPr id="7" name="文字方塊 6">
             <a:extLst>
               <a:ext uri="{FF2B5EF4-FFF2-40B4-BE49-F238E27FC236}">
+                <a16:creationId xmlns:a16="http://schemas.microsoft.com/office/drawing/2014/main" id="{90A750B6-173B-4D83-A9EF-DF27401E3DEC}"/>
+              </a:ext>
+            </a:extLst>
+          </p:cNvPr>
+          <p:cNvSpPr txBox="1"/>
+          <p:nvPr/>
+        </p:nvSpPr>
+        <p:spPr>
+          <a:xfrm>
+            <a:off x="240029" y="262890"/>
+            <a:ext cx="2050543" cy="461665"/>
+          </a:xfrm>
+          <a:prstGeom prst="rect">
+            <a:avLst/>
+          </a:prstGeom>
+          <a:solidFill>
+            <a:srgbClr val="FF0000"/>
+          </a:solidFill>
+        </p:spPr>
+        <p:txBody>
+          <a:bodyPr wrap="square" rtlCol="0">
+            <a:spAutoFit/>
+          </a:bodyPr>
+          <a:lstStyle/>
+          <a:p>
+            <a:pPr algn="ctr"/>
+            <a:r>
+              <a:rPr lang="zh-TW" altLang="en-US" sz="1200" dirty="0">
+                <a:solidFill>
+                  <a:schemeClr val="bg1">
+                    <a:lumMod val="95000"/>
+                  </a:schemeClr>
+                </a:solidFill>
+              </a:rPr>
+              <a:t>在義大利威尼斯划船</a:t>
+            </a:r>
+            <a:endParaRPr lang="en-US" altLang="zh-TW" sz="1200" dirty="0">
+              <a:solidFill>
+                <a:schemeClr val="bg1">
+                  <a:lumMod val="95000"/>
+                </a:schemeClr>
+              </a:solidFill>
+            </a:endParaRPr>
+          </a:p>
+          <a:p>
+            <a:pPr algn="ctr"/>
+            <a:r>
+              <a:rPr lang="zh-TW" altLang="en-US" sz="1200" dirty="0">
+                <a:solidFill>
+                  <a:schemeClr val="bg1">
+                    <a:lumMod val="95000"/>
+                  </a:schemeClr>
+                </a:solidFill>
+              </a:rPr>
+              <a:t>不幸落水受傷</a:t>
+            </a:r>
+          </a:p>
+        </p:txBody>
+      </p:sp>
+      <p:sp>
+        <p:nvSpPr>
+          <p:cNvPr id="8" name="文字方塊 7">
+            <a:extLst>
+              <a:ext uri="{FF2B5EF4-FFF2-40B4-BE49-F238E27FC236}">
+                <a16:creationId xmlns:a16="http://schemas.microsoft.com/office/drawing/2014/main" id="{5DE08B10-7B07-455D-9420-E9AD4E745DAB}"/>
+              </a:ext>
+            </a:extLst>
+          </p:cNvPr>
+          <p:cNvSpPr txBox="1"/>
+          <p:nvPr/>
+        </p:nvSpPr>
+        <p:spPr>
+          <a:xfrm>
+            <a:off x="240029" y="944749"/>
+            <a:ext cx="2071307" cy="276999"/>
+          </a:xfrm>
+          <a:prstGeom prst="rect">
+            <a:avLst/>
+          </a:prstGeom>
+          <a:noFill/>
+        </p:spPr>
+        <p:txBody>
+          <a:bodyPr wrap="square" rtlCol="0">
+            <a:spAutoFit/>
+          </a:bodyPr>
+          <a:lstStyle/>
+          <a:p>
+            <a:pPr algn="ctr"/>
+            <a:r>
+              <a:rPr lang="zh-TW" altLang="en-US" sz="1200" dirty="0"/>
+              <a:t>獲得保險金理賠</a:t>
+            </a:r>
+            <a:r>
+              <a:rPr lang="en-US" altLang="zh-TW" sz="1200" dirty="0"/>
+              <a:t>$800</a:t>
+            </a:r>
+            <a:endParaRPr lang="zh-TW" altLang="en-US" sz="1200" dirty="0"/>
+          </a:p>
+        </p:txBody>
+      </p:sp>
+    </p:spTree>
+    <p:extLst>
+      <p:ext uri="{BB962C8B-B14F-4D97-AF65-F5344CB8AC3E}">
+        <p14:creationId xmlns:p14="http://schemas.microsoft.com/office/powerpoint/2010/main" val="4225443538"/>
+      </p:ext>
+    </p:extLst>
+  </p:cSld>
+  <p:clrMapOvr>
+    <a:masterClrMapping/>
+  </p:clrMapOvr>
+</p:sld>
+</file>
+
+<file path=ppt/slides/slide15.xml><?xml version="1.0" encoding="utf-8"?>
+<p:sld xmlns:a="http://schemas.openxmlformats.org/drawingml/2006/main" xmlns:r="http://schemas.openxmlformats.org/officeDocument/2006/relationships" xmlns:p="http://schemas.openxmlformats.org/presentationml/2006/main">
+  <p:cSld>
+    <p:spTree>
+      <p:nvGrpSpPr>
+        <p:cNvPr id="1" name=""/>
+        <p:cNvGrpSpPr/>
+        <p:nvPr/>
+      </p:nvGrpSpPr>
+      <p:grpSpPr>
+        <a:xfrm>
+          <a:off x="0" y="0"/>
+          <a:ext cx="0" cy="0"/>
+          <a:chOff x="0" y="0"/>
+          <a:chExt cx="0" cy="0"/>
+        </a:xfrm>
+      </p:grpSpPr>
+      <p:sp>
+        <p:nvSpPr>
+          <p:cNvPr id="2" name="標題 1">
+            <a:extLst>
+              <a:ext uri="{FF2B5EF4-FFF2-40B4-BE49-F238E27FC236}">
+                <a16:creationId xmlns:a16="http://schemas.microsoft.com/office/drawing/2014/main" id="{8BCFE509-2EAC-4FE4-9E08-46AF8E560004}"/>
+              </a:ext>
+            </a:extLst>
+          </p:cNvPr>
+          <p:cNvSpPr>
+            <a:spLocks noGrp="1"/>
+          </p:cNvSpPr>
+          <p:nvPr>
+            <p:ph type="title"/>
+          </p:nvPr>
+        </p:nvSpPr>
+        <p:spPr/>
+        <p:txBody>
+          <a:bodyPr/>
+          <a:lstStyle/>
+          <a:p>
+            <a:endParaRPr lang="zh-TW" altLang="en-US"/>
+          </a:p>
+        </p:txBody>
+      </p:sp>
+      <p:sp>
+        <p:nvSpPr>
+          <p:cNvPr id="3" name="內容版面配置區 2">
+            <a:extLst>
+              <a:ext uri="{FF2B5EF4-FFF2-40B4-BE49-F238E27FC236}">
+                <a16:creationId xmlns:a16="http://schemas.microsoft.com/office/drawing/2014/main" id="{4AA239E5-0D38-4F5B-A030-535F0AACCC7D}"/>
+              </a:ext>
+            </a:extLst>
+          </p:cNvPr>
+          <p:cNvSpPr>
+            <a:spLocks noGrp="1"/>
+          </p:cNvSpPr>
+          <p:nvPr>
+            <p:ph idx="1"/>
+          </p:nvPr>
+        </p:nvSpPr>
+        <p:spPr/>
+        <p:txBody>
+          <a:bodyPr/>
+          <a:lstStyle/>
+          <a:p>
+            <a:endParaRPr lang="zh-TW" altLang="en-US"/>
+          </a:p>
+        </p:txBody>
+      </p:sp>
+      <p:sp>
+        <p:nvSpPr>
+          <p:cNvPr id="4" name="矩形 3">
+            <a:extLst>
+              <a:ext uri="{FF2B5EF4-FFF2-40B4-BE49-F238E27FC236}">
+                <a16:creationId xmlns:a16="http://schemas.microsoft.com/office/drawing/2014/main" id="{A8220006-257B-4407-95BC-8CCC9C06246F}"/>
+              </a:ext>
+            </a:extLst>
+          </p:cNvPr>
+          <p:cNvSpPr/>
+          <p:nvPr/>
+        </p:nvSpPr>
+        <p:spPr>
+          <a:xfrm>
+            <a:off x="-1" y="0"/>
+            <a:ext cx="2519363" cy="1619250"/>
+          </a:xfrm>
+          <a:prstGeom prst="rect">
+            <a:avLst/>
+          </a:prstGeom>
+          <a:solidFill>
+            <a:srgbClr val="FF0000"/>
+          </a:solidFill>
+          <a:ln>
+            <a:noFill/>
+          </a:ln>
+        </p:spPr>
+        <p:style>
+          <a:lnRef idx="2">
+            <a:schemeClr val="accent1">
+              <a:shade val="50000"/>
+            </a:schemeClr>
+          </a:lnRef>
+          <a:fillRef idx="1">
+            <a:schemeClr val="accent1"/>
+          </a:fillRef>
+          <a:effectRef idx="0">
+            <a:schemeClr val="accent1"/>
+          </a:effectRef>
+          <a:fontRef idx="minor">
+            <a:schemeClr val="lt1"/>
+          </a:fontRef>
+        </p:style>
+        <p:txBody>
+          <a:bodyPr rtlCol="0" anchor="ctr"/>
+          <a:lstStyle/>
+          <a:p>
+            <a:pPr algn="ctr"/>
+            <a:endParaRPr lang="zh-TW" altLang="en-US"/>
+          </a:p>
+        </p:txBody>
+      </p:sp>
+      <p:sp>
+        <p:nvSpPr>
+          <p:cNvPr id="5" name="矩形 4">
+            <a:extLst>
+              <a:ext uri="{FF2B5EF4-FFF2-40B4-BE49-F238E27FC236}">
+                <a16:creationId xmlns:a16="http://schemas.microsoft.com/office/drawing/2014/main" id="{29A42128-E2BE-4222-A477-0512E45385EB}"/>
+              </a:ext>
+            </a:extLst>
+          </p:cNvPr>
+          <p:cNvSpPr/>
+          <p:nvPr/>
+        </p:nvSpPr>
+        <p:spPr>
+          <a:xfrm>
+            <a:off x="200445" y="240792"/>
+            <a:ext cx="2130552" cy="1152144"/>
+          </a:xfrm>
+          <a:prstGeom prst="rect">
+            <a:avLst/>
+          </a:prstGeom>
+          <a:solidFill>
+            <a:srgbClr val="FF0000"/>
+          </a:solidFill>
+          <a:ln w="57150">
+            <a:solidFill>
+              <a:schemeClr val="bg1">
+                <a:lumMod val="95000"/>
+              </a:schemeClr>
+            </a:solidFill>
+          </a:ln>
+        </p:spPr>
+        <p:style>
+          <a:lnRef idx="2">
+            <a:schemeClr val="accent1">
+              <a:shade val="50000"/>
+            </a:schemeClr>
+          </a:lnRef>
+          <a:fillRef idx="1">
+            <a:schemeClr val="accent1"/>
+          </a:fillRef>
+          <a:effectRef idx="0">
+            <a:schemeClr val="accent1"/>
+          </a:effectRef>
+          <a:fontRef idx="minor">
+            <a:schemeClr val="lt1"/>
+          </a:fontRef>
+        </p:style>
+        <p:txBody>
+          <a:bodyPr rtlCol="0" anchor="ctr"/>
+          <a:lstStyle/>
+          <a:p>
+            <a:pPr algn="ctr"/>
+            <a:endParaRPr lang="zh-TW" altLang="en-US"/>
+          </a:p>
+        </p:txBody>
+      </p:sp>
+      <p:sp>
+        <p:nvSpPr>
+          <p:cNvPr id="6" name="矩形 5">
+            <a:extLst>
+              <a:ext uri="{FF2B5EF4-FFF2-40B4-BE49-F238E27FC236}">
+                <a16:creationId xmlns:a16="http://schemas.microsoft.com/office/drawing/2014/main" id="{27AC5CA8-59E4-471D-85E2-8DB66E35C2F8}"/>
+              </a:ext>
+            </a:extLst>
+          </p:cNvPr>
+          <p:cNvSpPr/>
+          <p:nvPr/>
+        </p:nvSpPr>
+        <p:spPr>
+          <a:xfrm>
+            <a:off x="208025" y="779526"/>
+            <a:ext cx="2130552" cy="598932"/>
+          </a:xfrm>
+          <a:prstGeom prst="rect">
+            <a:avLst/>
+          </a:prstGeom>
+          <a:solidFill>
+            <a:schemeClr val="bg1">
+              <a:lumMod val="95000"/>
+            </a:schemeClr>
+          </a:solidFill>
+          <a:ln>
+            <a:solidFill>
+              <a:schemeClr val="bg1">
+                <a:lumMod val="95000"/>
+              </a:schemeClr>
+            </a:solidFill>
+          </a:ln>
+        </p:spPr>
+        <p:style>
+          <a:lnRef idx="2">
+            <a:schemeClr val="accent1">
+              <a:shade val="50000"/>
+            </a:schemeClr>
+          </a:lnRef>
+          <a:fillRef idx="1">
+            <a:schemeClr val="accent1"/>
+          </a:fillRef>
+          <a:effectRef idx="0">
+            <a:schemeClr val="accent1"/>
+          </a:effectRef>
+          <a:fontRef idx="minor">
+            <a:schemeClr val="lt1"/>
+          </a:fontRef>
+        </p:style>
+        <p:txBody>
+          <a:bodyPr rtlCol="0" anchor="ctr"/>
+          <a:lstStyle/>
+          <a:p>
+            <a:pPr algn="ctr"/>
+            <a:endParaRPr lang="zh-TW" altLang="en-US"/>
+          </a:p>
+        </p:txBody>
+      </p:sp>
+      <p:sp>
+        <p:nvSpPr>
+          <p:cNvPr id="7" name="文字方塊 6">
+            <a:extLst>
+              <a:ext uri="{FF2B5EF4-FFF2-40B4-BE49-F238E27FC236}">
                 <a16:creationId xmlns:a16="http://schemas.microsoft.com/office/drawing/2014/main" id="{59E8547D-5BC6-4082-B605-368F5C77D7C7}"/>
               </a:ext>
             </a:extLst>
@@ -4886,6 +5558,1393 @@
     <p:extLst>
       <p:ext uri="{BB962C8B-B14F-4D97-AF65-F5344CB8AC3E}">
         <p14:creationId xmlns:p14="http://schemas.microsoft.com/office/powerpoint/2010/main" val="3877146810"/>
+      </p:ext>
+    </p:extLst>
+  </p:cSld>
+  <p:clrMapOvr>
+    <a:masterClrMapping/>
+  </p:clrMapOvr>
+</p:sld>
+</file>
+
+<file path=ppt/slides/slide16.xml><?xml version="1.0" encoding="utf-8"?>
+<p:sld xmlns:a="http://schemas.openxmlformats.org/drawingml/2006/main" xmlns:r="http://schemas.openxmlformats.org/officeDocument/2006/relationships" xmlns:p="http://schemas.openxmlformats.org/presentationml/2006/main">
+  <p:cSld>
+    <p:spTree>
+      <p:nvGrpSpPr>
+        <p:cNvPr id="1" name=""/>
+        <p:cNvGrpSpPr/>
+        <p:nvPr/>
+      </p:nvGrpSpPr>
+      <p:grpSpPr>
+        <a:xfrm>
+          <a:off x="0" y="0"/>
+          <a:ext cx="0" cy="0"/>
+          <a:chOff x="0" y="0"/>
+          <a:chExt cx="0" cy="0"/>
+        </a:xfrm>
+      </p:grpSpPr>
+      <p:sp>
+        <p:nvSpPr>
+          <p:cNvPr id="2" name="標題 1">
+            <a:extLst>
+              <a:ext uri="{FF2B5EF4-FFF2-40B4-BE49-F238E27FC236}">
+                <a16:creationId xmlns:a16="http://schemas.microsoft.com/office/drawing/2014/main" id="{8BCFE509-2EAC-4FE4-9E08-46AF8E560004}"/>
+              </a:ext>
+            </a:extLst>
+          </p:cNvPr>
+          <p:cNvSpPr>
+            <a:spLocks noGrp="1"/>
+          </p:cNvSpPr>
+          <p:nvPr>
+            <p:ph type="title"/>
+          </p:nvPr>
+        </p:nvSpPr>
+        <p:spPr/>
+        <p:txBody>
+          <a:bodyPr/>
+          <a:lstStyle/>
+          <a:p>
+            <a:endParaRPr lang="zh-TW" altLang="en-US"/>
+          </a:p>
+        </p:txBody>
+      </p:sp>
+      <p:sp>
+        <p:nvSpPr>
+          <p:cNvPr id="3" name="內容版面配置區 2">
+            <a:extLst>
+              <a:ext uri="{FF2B5EF4-FFF2-40B4-BE49-F238E27FC236}">
+                <a16:creationId xmlns:a16="http://schemas.microsoft.com/office/drawing/2014/main" id="{4AA239E5-0D38-4F5B-A030-535F0AACCC7D}"/>
+              </a:ext>
+            </a:extLst>
+          </p:cNvPr>
+          <p:cNvSpPr>
+            <a:spLocks noGrp="1"/>
+          </p:cNvSpPr>
+          <p:nvPr>
+            <p:ph idx="1"/>
+          </p:nvPr>
+        </p:nvSpPr>
+        <p:spPr/>
+        <p:txBody>
+          <a:bodyPr/>
+          <a:lstStyle/>
+          <a:p>
+            <a:endParaRPr lang="zh-TW" altLang="en-US"/>
+          </a:p>
+        </p:txBody>
+      </p:sp>
+      <p:sp>
+        <p:nvSpPr>
+          <p:cNvPr id="4" name="矩形 3">
+            <a:extLst>
+              <a:ext uri="{FF2B5EF4-FFF2-40B4-BE49-F238E27FC236}">
+                <a16:creationId xmlns:a16="http://schemas.microsoft.com/office/drawing/2014/main" id="{A8220006-257B-4407-95BC-8CCC9C06246F}"/>
+              </a:ext>
+            </a:extLst>
+          </p:cNvPr>
+          <p:cNvSpPr/>
+          <p:nvPr/>
+        </p:nvSpPr>
+        <p:spPr>
+          <a:xfrm>
+            <a:off x="-1" y="0"/>
+            <a:ext cx="2519363" cy="1619250"/>
+          </a:xfrm>
+          <a:prstGeom prst="rect">
+            <a:avLst/>
+          </a:prstGeom>
+          <a:solidFill>
+            <a:srgbClr val="FF0000"/>
+          </a:solidFill>
+          <a:ln>
+            <a:noFill/>
+          </a:ln>
+        </p:spPr>
+        <p:style>
+          <a:lnRef idx="2">
+            <a:schemeClr val="accent1">
+              <a:shade val="50000"/>
+            </a:schemeClr>
+          </a:lnRef>
+          <a:fillRef idx="1">
+            <a:schemeClr val="accent1"/>
+          </a:fillRef>
+          <a:effectRef idx="0">
+            <a:schemeClr val="accent1"/>
+          </a:effectRef>
+          <a:fontRef idx="minor">
+            <a:schemeClr val="lt1"/>
+          </a:fontRef>
+        </p:style>
+        <p:txBody>
+          <a:bodyPr rtlCol="0" anchor="ctr"/>
+          <a:lstStyle/>
+          <a:p>
+            <a:pPr algn="ctr"/>
+            <a:endParaRPr lang="zh-TW" altLang="en-US"/>
+          </a:p>
+        </p:txBody>
+      </p:sp>
+      <p:sp>
+        <p:nvSpPr>
+          <p:cNvPr id="5" name="矩形 4">
+            <a:extLst>
+              <a:ext uri="{FF2B5EF4-FFF2-40B4-BE49-F238E27FC236}">
+                <a16:creationId xmlns:a16="http://schemas.microsoft.com/office/drawing/2014/main" id="{29A42128-E2BE-4222-A477-0512E45385EB}"/>
+              </a:ext>
+            </a:extLst>
+          </p:cNvPr>
+          <p:cNvSpPr/>
+          <p:nvPr/>
+        </p:nvSpPr>
+        <p:spPr>
+          <a:xfrm>
+            <a:off x="200445" y="240792"/>
+            <a:ext cx="2130552" cy="1152144"/>
+          </a:xfrm>
+          <a:prstGeom prst="rect">
+            <a:avLst/>
+          </a:prstGeom>
+          <a:solidFill>
+            <a:srgbClr val="FF0000"/>
+          </a:solidFill>
+          <a:ln w="57150">
+            <a:solidFill>
+              <a:schemeClr val="bg1">
+                <a:lumMod val="95000"/>
+              </a:schemeClr>
+            </a:solidFill>
+          </a:ln>
+        </p:spPr>
+        <p:style>
+          <a:lnRef idx="2">
+            <a:schemeClr val="accent1">
+              <a:shade val="50000"/>
+            </a:schemeClr>
+          </a:lnRef>
+          <a:fillRef idx="1">
+            <a:schemeClr val="accent1"/>
+          </a:fillRef>
+          <a:effectRef idx="0">
+            <a:schemeClr val="accent1"/>
+          </a:effectRef>
+          <a:fontRef idx="minor">
+            <a:schemeClr val="lt1"/>
+          </a:fontRef>
+        </p:style>
+        <p:txBody>
+          <a:bodyPr rtlCol="0" anchor="ctr"/>
+          <a:lstStyle/>
+          <a:p>
+            <a:pPr algn="ctr"/>
+            <a:endParaRPr lang="zh-TW" altLang="en-US"/>
+          </a:p>
+        </p:txBody>
+      </p:sp>
+      <p:sp>
+        <p:nvSpPr>
+          <p:cNvPr id="6" name="矩形 5">
+            <a:extLst>
+              <a:ext uri="{FF2B5EF4-FFF2-40B4-BE49-F238E27FC236}">
+                <a16:creationId xmlns:a16="http://schemas.microsoft.com/office/drawing/2014/main" id="{27AC5CA8-59E4-471D-85E2-8DB66E35C2F8}"/>
+              </a:ext>
+            </a:extLst>
+          </p:cNvPr>
+          <p:cNvSpPr/>
+          <p:nvPr/>
+        </p:nvSpPr>
+        <p:spPr>
+          <a:xfrm>
+            <a:off x="208025" y="779526"/>
+            <a:ext cx="2130552" cy="598932"/>
+          </a:xfrm>
+          <a:prstGeom prst="rect">
+            <a:avLst/>
+          </a:prstGeom>
+          <a:solidFill>
+            <a:schemeClr val="bg1">
+              <a:lumMod val="95000"/>
+            </a:schemeClr>
+          </a:solidFill>
+          <a:ln>
+            <a:solidFill>
+              <a:schemeClr val="bg1">
+                <a:lumMod val="95000"/>
+              </a:schemeClr>
+            </a:solidFill>
+          </a:ln>
+        </p:spPr>
+        <p:style>
+          <a:lnRef idx="2">
+            <a:schemeClr val="accent1">
+              <a:shade val="50000"/>
+            </a:schemeClr>
+          </a:lnRef>
+          <a:fillRef idx="1">
+            <a:schemeClr val="accent1"/>
+          </a:fillRef>
+          <a:effectRef idx="0">
+            <a:schemeClr val="accent1"/>
+          </a:effectRef>
+          <a:fontRef idx="minor">
+            <a:schemeClr val="lt1"/>
+          </a:fontRef>
+        </p:style>
+        <p:txBody>
+          <a:bodyPr rtlCol="0" anchor="ctr"/>
+          <a:lstStyle/>
+          <a:p>
+            <a:pPr algn="ctr"/>
+            <a:endParaRPr lang="zh-TW" altLang="en-US"/>
+          </a:p>
+        </p:txBody>
+      </p:sp>
+      <p:sp>
+        <p:nvSpPr>
+          <p:cNvPr id="7" name="文字方塊 6">
+            <a:extLst>
+              <a:ext uri="{FF2B5EF4-FFF2-40B4-BE49-F238E27FC236}">
+                <a16:creationId xmlns:a16="http://schemas.microsoft.com/office/drawing/2014/main" id="{59E8547D-5BC6-4082-B605-368F5C77D7C7}"/>
+              </a:ext>
+            </a:extLst>
+          </p:cNvPr>
+          <p:cNvSpPr txBox="1"/>
+          <p:nvPr/>
+        </p:nvSpPr>
+        <p:spPr>
+          <a:xfrm>
+            <a:off x="240029" y="262890"/>
+            <a:ext cx="2050543" cy="461665"/>
+          </a:xfrm>
+          <a:prstGeom prst="rect">
+            <a:avLst/>
+          </a:prstGeom>
+          <a:solidFill>
+            <a:srgbClr val="FF0000"/>
+          </a:solidFill>
+        </p:spPr>
+        <p:txBody>
+          <a:bodyPr wrap="square" rtlCol="0">
+            <a:spAutoFit/>
+          </a:bodyPr>
+          <a:lstStyle/>
+          <a:p>
+            <a:pPr algn="ctr"/>
+            <a:r>
+              <a:rPr lang="zh-TW" altLang="en-US" sz="1200" dirty="0">
+                <a:solidFill>
+                  <a:schemeClr val="bg1">
+                    <a:lumMod val="95000"/>
+                  </a:schemeClr>
+                </a:solidFill>
+              </a:rPr>
+              <a:t>大家一起觀賞四年一度</a:t>
+            </a:r>
+            <a:endParaRPr lang="en-US" altLang="zh-TW" sz="1200" dirty="0">
+              <a:solidFill>
+                <a:schemeClr val="bg1">
+                  <a:lumMod val="95000"/>
+                </a:schemeClr>
+              </a:solidFill>
+            </a:endParaRPr>
+          </a:p>
+          <a:p>
+            <a:pPr algn="ctr"/>
+            <a:r>
+              <a:rPr lang="zh-TW" altLang="en-US" sz="1200" dirty="0">
+                <a:solidFill>
+                  <a:schemeClr val="bg1">
+                    <a:lumMod val="95000"/>
+                  </a:schemeClr>
+                </a:solidFill>
+              </a:rPr>
+              <a:t>世界盃足球賽</a:t>
+            </a:r>
+          </a:p>
+        </p:txBody>
+      </p:sp>
+      <p:sp>
+        <p:nvSpPr>
+          <p:cNvPr id="8" name="文字方塊 7">
+            <a:extLst>
+              <a:ext uri="{FF2B5EF4-FFF2-40B4-BE49-F238E27FC236}">
+                <a16:creationId xmlns:a16="http://schemas.microsoft.com/office/drawing/2014/main" id="{059071B0-CAE6-4F80-86E0-8C559CED54C2}"/>
+              </a:ext>
+            </a:extLst>
+          </p:cNvPr>
+          <p:cNvSpPr txBox="1"/>
+          <p:nvPr/>
+        </p:nvSpPr>
+        <p:spPr>
+          <a:xfrm>
+            <a:off x="240029" y="944749"/>
+            <a:ext cx="2071307" cy="276999"/>
+          </a:xfrm>
+          <a:prstGeom prst="rect">
+            <a:avLst/>
+          </a:prstGeom>
+          <a:noFill/>
+        </p:spPr>
+        <p:txBody>
+          <a:bodyPr wrap="square" rtlCol="0">
+            <a:spAutoFit/>
+          </a:bodyPr>
+          <a:lstStyle/>
+          <a:p>
+            <a:pPr algn="ctr"/>
+            <a:r>
+              <a:rPr lang="zh-TW" altLang="en-US" sz="1200" dirty="0"/>
+              <a:t>每人付門票費</a:t>
+            </a:r>
+            <a:r>
+              <a:rPr lang="en-US" altLang="zh-TW" sz="1200" dirty="0"/>
+              <a:t>$300</a:t>
+            </a:r>
+            <a:endParaRPr lang="zh-TW" altLang="en-US" sz="1200" dirty="0"/>
+          </a:p>
+        </p:txBody>
+      </p:sp>
+    </p:spTree>
+    <p:extLst>
+      <p:ext uri="{BB962C8B-B14F-4D97-AF65-F5344CB8AC3E}">
+        <p14:creationId xmlns:p14="http://schemas.microsoft.com/office/powerpoint/2010/main" val="1940897726"/>
+      </p:ext>
+    </p:extLst>
+  </p:cSld>
+  <p:clrMapOvr>
+    <a:masterClrMapping/>
+  </p:clrMapOvr>
+</p:sld>
+</file>
+
+<file path=ppt/slides/slide17.xml><?xml version="1.0" encoding="utf-8"?>
+<p:sld xmlns:a="http://schemas.openxmlformats.org/drawingml/2006/main" xmlns:r="http://schemas.openxmlformats.org/officeDocument/2006/relationships" xmlns:p="http://schemas.openxmlformats.org/presentationml/2006/main">
+  <p:cSld>
+    <p:spTree>
+      <p:nvGrpSpPr>
+        <p:cNvPr id="1" name=""/>
+        <p:cNvGrpSpPr/>
+        <p:nvPr/>
+      </p:nvGrpSpPr>
+      <p:grpSpPr>
+        <a:xfrm>
+          <a:off x="0" y="0"/>
+          <a:ext cx="0" cy="0"/>
+          <a:chOff x="0" y="0"/>
+          <a:chExt cx="0" cy="0"/>
+        </a:xfrm>
+      </p:grpSpPr>
+      <p:sp>
+        <p:nvSpPr>
+          <p:cNvPr id="2" name="標題 1">
+            <a:extLst>
+              <a:ext uri="{FF2B5EF4-FFF2-40B4-BE49-F238E27FC236}">
+                <a16:creationId xmlns:a16="http://schemas.microsoft.com/office/drawing/2014/main" id="{8BCFE509-2EAC-4FE4-9E08-46AF8E560004}"/>
+              </a:ext>
+            </a:extLst>
+          </p:cNvPr>
+          <p:cNvSpPr>
+            <a:spLocks noGrp="1"/>
+          </p:cNvSpPr>
+          <p:nvPr>
+            <p:ph type="title"/>
+          </p:nvPr>
+        </p:nvSpPr>
+        <p:spPr/>
+        <p:txBody>
+          <a:bodyPr/>
+          <a:lstStyle/>
+          <a:p>
+            <a:endParaRPr lang="zh-TW" altLang="en-US"/>
+          </a:p>
+        </p:txBody>
+      </p:sp>
+      <p:sp>
+        <p:nvSpPr>
+          <p:cNvPr id="3" name="內容版面配置區 2">
+            <a:extLst>
+              <a:ext uri="{FF2B5EF4-FFF2-40B4-BE49-F238E27FC236}">
+                <a16:creationId xmlns:a16="http://schemas.microsoft.com/office/drawing/2014/main" id="{4AA239E5-0D38-4F5B-A030-535F0AACCC7D}"/>
+              </a:ext>
+            </a:extLst>
+          </p:cNvPr>
+          <p:cNvSpPr>
+            <a:spLocks noGrp="1"/>
+          </p:cNvSpPr>
+          <p:nvPr>
+            <p:ph idx="1"/>
+          </p:nvPr>
+        </p:nvSpPr>
+        <p:spPr/>
+        <p:txBody>
+          <a:bodyPr/>
+          <a:lstStyle/>
+          <a:p>
+            <a:endParaRPr lang="zh-TW" altLang="en-US"/>
+          </a:p>
+        </p:txBody>
+      </p:sp>
+      <p:sp>
+        <p:nvSpPr>
+          <p:cNvPr id="4" name="矩形 3">
+            <a:extLst>
+              <a:ext uri="{FF2B5EF4-FFF2-40B4-BE49-F238E27FC236}">
+                <a16:creationId xmlns:a16="http://schemas.microsoft.com/office/drawing/2014/main" id="{A8220006-257B-4407-95BC-8CCC9C06246F}"/>
+              </a:ext>
+            </a:extLst>
+          </p:cNvPr>
+          <p:cNvSpPr/>
+          <p:nvPr/>
+        </p:nvSpPr>
+        <p:spPr>
+          <a:xfrm>
+            <a:off x="-1" y="0"/>
+            <a:ext cx="2519363" cy="1619250"/>
+          </a:xfrm>
+          <a:prstGeom prst="rect">
+            <a:avLst/>
+          </a:prstGeom>
+          <a:solidFill>
+            <a:srgbClr val="FF0000"/>
+          </a:solidFill>
+          <a:ln>
+            <a:noFill/>
+          </a:ln>
+        </p:spPr>
+        <p:style>
+          <a:lnRef idx="2">
+            <a:schemeClr val="accent1">
+              <a:shade val="50000"/>
+            </a:schemeClr>
+          </a:lnRef>
+          <a:fillRef idx="1">
+            <a:schemeClr val="accent1"/>
+          </a:fillRef>
+          <a:effectRef idx="0">
+            <a:schemeClr val="accent1"/>
+          </a:effectRef>
+          <a:fontRef idx="minor">
+            <a:schemeClr val="lt1"/>
+          </a:fontRef>
+        </p:style>
+        <p:txBody>
+          <a:bodyPr rtlCol="0" anchor="ctr"/>
+          <a:lstStyle/>
+          <a:p>
+            <a:pPr algn="ctr"/>
+            <a:endParaRPr lang="zh-TW" altLang="en-US"/>
+          </a:p>
+        </p:txBody>
+      </p:sp>
+      <p:sp>
+        <p:nvSpPr>
+          <p:cNvPr id="5" name="矩形 4">
+            <a:extLst>
+              <a:ext uri="{FF2B5EF4-FFF2-40B4-BE49-F238E27FC236}">
+                <a16:creationId xmlns:a16="http://schemas.microsoft.com/office/drawing/2014/main" id="{29A42128-E2BE-4222-A477-0512E45385EB}"/>
+              </a:ext>
+            </a:extLst>
+          </p:cNvPr>
+          <p:cNvSpPr/>
+          <p:nvPr/>
+        </p:nvSpPr>
+        <p:spPr>
+          <a:xfrm>
+            <a:off x="200445" y="240792"/>
+            <a:ext cx="2130552" cy="1152144"/>
+          </a:xfrm>
+          <a:prstGeom prst="rect">
+            <a:avLst/>
+          </a:prstGeom>
+          <a:solidFill>
+            <a:srgbClr val="FF0000"/>
+          </a:solidFill>
+          <a:ln w="57150">
+            <a:solidFill>
+              <a:schemeClr val="bg1">
+                <a:lumMod val="95000"/>
+              </a:schemeClr>
+            </a:solidFill>
+          </a:ln>
+        </p:spPr>
+        <p:style>
+          <a:lnRef idx="2">
+            <a:schemeClr val="accent1">
+              <a:shade val="50000"/>
+            </a:schemeClr>
+          </a:lnRef>
+          <a:fillRef idx="1">
+            <a:schemeClr val="accent1"/>
+          </a:fillRef>
+          <a:effectRef idx="0">
+            <a:schemeClr val="accent1"/>
+          </a:effectRef>
+          <a:fontRef idx="minor">
+            <a:schemeClr val="lt1"/>
+          </a:fontRef>
+        </p:style>
+        <p:txBody>
+          <a:bodyPr rtlCol="0" anchor="ctr"/>
+          <a:lstStyle/>
+          <a:p>
+            <a:pPr algn="ctr"/>
+            <a:endParaRPr lang="zh-TW" altLang="en-US"/>
+          </a:p>
+        </p:txBody>
+      </p:sp>
+      <p:sp>
+        <p:nvSpPr>
+          <p:cNvPr id="6" name="矩形 5">
+            <a:extLst>
+              <a:ext uri="{FF2B5EF4-FFF2-40B4-BE49-F238E27FC236}">
+                <a16:creationId xmlns:a16="http://schemas.microsoft.com/office/drawing/2014/main" id="{27AC5CA8-59E4-471D-85E2-8DB66E35C2F8}"/>
+              </a:ext>
+            </a:extLst>
+          </p:cNvPr>
+          <p:cNvSpPr/>
+          <p:nvPr/>
+        </p:nvSpPr>
+        <p:spPr>
+          <a:xfrm>
+            <a:off x="208025" y="779526"/>
+            <a:ext cx="2130552" cy="598932"/>
+          </a:xfrm>
+          <a:prstGeom prst="rect">
+            <a:avLst/>
+          </a:prstGeom>
+          <a:solidFill>
+            <a:schemeClr val="bg1">
+              <a:lumMod val="95000"/>
+            </a:schemeClr>
+          </a:solidFill>
+          <a:ln>
+            <a:solidFill>
+              <a:schemeClr val="bg1">
+                <a:lumMod val="95000"/>
+              </a:schemeClr>
+            </a:solidFill>
+          </a:ln>
+        </p:spPr>
+        <p:style>
+          <a:lnRef idx="2">
+            <a:schemeClr val="accent1">
+              <a:shade val="50000"/>
+            </a:schemeClr>
+          </a:lnRef>
+          <a:fillRef idx="1">
+            <a:schemeClr val="accent1"/>
+          </a:fillRef>
+          <a:effectRef idx="0">
+            <a:schemeClr val="accent1"/>
+          </a:effectRef>
+          <a:fontRef idx="minor">
+            <a:schemeClr val="lt1"/>
+          </a:fontRef>
+        </p:style>
+        <p:txBody>
+          <a:bodyPr rtlCol="0" anchor="ctr"/>
+          <a:lstStyle/>
+          <a:p>
+            <a:pPr algn="ctr"/>
+            <a:endParaRPr lang="zh-TW" altLang="en-US"/>
+          </a:p>
+        </p:txBody>
+      </p:sp>
+      <p:sp>
+        <p:nvSpPr>
+          <p:cNvPr id="7" name="文字方塊 6">
+            <a:extLst>
+              <a:ext uri="{FF2B5EF4-FFF2-40B4-BE49-F238E27FC236}">
+                <a16:creationId xmlns:a16="http://schemas.microsoft.com/office/drawing/2014/main" id="{59E8547D-5BC6-4082-B605-368F5C77D7C7}"/>
+              </a:ext>
+            </a:extLst>
+          </p:cNvPr>
+          <p:cNvSpPr txBox="1"/>
+          <p:nvPr/>
+        </p:nvSpPr>
+        <p:spPr>
+          <a:xfrm>
+            <a:off x="240029" y="262890"/>
+            <a:ext cx="2050543" cy="461665"/>
+          </a:xfrm>
+          <a:prstGeom prst="rect">
+            <a:avLst/>
+          </a:prstGeom>
+          <a:solidFill>
+            <a:srgbClr val="FF0000"/>
+          </a:solidFill>
+        </p:spPr>
+        <p:txBody>
+          <a:bodyPr wrap="square" rtlCol="0">
+            <a:spAutoFit/>
+          </a:bodyPr>
+          <a:lstStyle/>
+          <a:p>
+            <a:pPr algn="ctr"/>
+            <a:r>
+              <a:rPr lang="zh-TW" altLang="en-US" sz="1200" dirty="0">
+                <a:solidFill>
+                  <a:schemeClr val="bg1">
+                    <a:lumMod val="95000"/>
+                  </a:schemeClr>
+                </a:solidFill>
+              </a:rPr>
+              <a:t>到埃及觀光金字塔與人面獅身時昏倒中暑</a:t>
+            </a:r>
+          </a:p>
+        </p:txBody>
+      </p:sp>
+      <p:sp>
+        <p:nvSpPr>
+          <p:cNvPr id="8" name="文字方塊 7">
+            <a:extLst>
+              <a:ext uri="{FF2B5EF4-FFF2-40B4-BE49-F238E27FC236}">
+                <a16:creationId xmlns:a16="http://schemas.microsoft.com/office/drawing/2014/main" id="{059071B0-CAE6-4F80-86E0-8C559CED54C2}"/>
+              </a:ext>
+            </a:extLst>
+          </p:cNvPr>
+          <p:cNvSpPr txBox="1"/>
+          <p:nvPr/>
+        </p:nvSpPr>
+        <p:spPr>
+          <a:xfrm>
+            <a:off x="240029" y="944749"/>
+            <a:ext cx="2071307" cy="276999"/>
+          </a:xfrm>
+          <a:prstGeom prst="rect">
+            <a:avLst/>
+          </a:prstGeom>
+          <a:noFill/>
+        </p:spPr>
+        <p:txBody>
+          <a:bodyPr wrap="square" rtlCol="0">
+            <a:spAutoFit/>
+          </a:bodyPr>
+          <a:lstStyle/>
+          <a:p>
+            <a:pPr algn="ctr"/>
+            <a:r>
+              <a:rPr lang="zh-TW" altLang="en-US" sz="1200" dirty="0"/>
+              <a:t>付醫療費</a:t>
+            </a:r>
+            <a:r>
+              <a:rPr lang="en-US" altLang="zh-TW" sz="1200" dirty="0"/>
+              <a:t>$600</a:t>
+            </a:r>
+            <a:endParaRPr lang="zh-TW" altLang="en-US" sz="1200" dirty="0"/>
+          </a:p>
+        </p:txBody>
+      </p:sp>
+    </p:spTree>
+    <p:extLst>
+      <p:ext uri="{BB962C8B-B14F-4D97-AF65-F5344CB8AC3E}">
+        <p14:creationId xmlns:p14="http://schemas.microsoft.com/office/powerpoint/2010/main" val="3544911399"/>
+      </p:ext>
+    </p:extLst>
+  </p:cSld>
+  <p:clrMapOvr>
+    <a:masterClrMapping/>
+  </p:clrMapOvr>
+</p:sld>
+</file>
+
+<file path=ppt/slides/slide18.xml><?xml version="1.0" encoding="utf-8"?>
+<p:sld xmlns:a="http://schemas.openxmlformats.org/drawingml/2006/main" xmlns:r="http://schemas.openxmlformats.org/officeDocument/2006/relationships" xmlns:p="http://schemas.openxmlformats.org/presentationml/2006/main">
+  <p:cSld>
+    <p:spTree>
+      <p:nvGrpSpPr>
+        <p:cNvPr id="1" name=""/>
+        <p:cNvGrpSpPr/>
+        <p:nvPr/>
+      </p:nvGrpSpPr>
+      <p:grpSpPr>
+        <a:xfrm>
+          <a:off x="0" y="0"/>
+          <a:ext cx="0" cy="0"/>
+          <a:chOff x="0" y="0"/>
+          <a:chExt cx="0" cy="0"/>
+        </a:xfrm>
+      </p:grpSpPr>
+      <p:sp>
+        <p:nvSpPr>
+          <p:cNvPr id="2" name="標題 1">
+            <a:extLst>
+              <a:ext uri="{FF2B5EF4-FFF2-40B4-BE49-F238E27FC236}">
+                <a16:creationId xmlns:a16="http://schemas.microsoft.com/office/drawing/2014/main" id="{8BCFE509-2EAC-4FE4-9E08-46AF8E560004}"/>
+              </a:ext>
+            </a:extLst>
+          </p:cNvPr>
+          <p:cNvSpPr>
+            <a:spLocks noGrp="1"/>
+          </p:cNvSpPr>
+          <p:nvPr>
+            <p:ph type="title"/>
+          </p:nvPr>
+        </p:nvSpPr>
+        <p:spPr/>
+        <p:txBody>
+          <a:bodyPr/>
+          <a:lstStyle/>
+          <a:p>
+            <a:endParaRPr lang="zh-TW" altLang="en-US"/>
+          </a:p>
+        </p:txBody>
+      </p:sp>
+      <p:sp>
+        <p:nvSpPr>
+          <p:cNvPr id="3" name="內容版面配置區 2">
+            <a:extLst>
+              <a:ext uri="{FF2B5EF4-FFF2-40B4-BE49-F238E27FC236}">
+                <a16:creationId xmlns:a16="http://schemas.microsoft.com/office/drawing/2014/main" id="{4AA239E5-0D38-4F5B-A030-535F0AACCC7D}"/>
+              </a:ext>
+            </a:extLst>
+          </p:cNvPr>
+          <p:cNvSpPr>
+            <a:spLocks noGrp="1"/>
+          </p:cNvSpPr>
+          <p:nvPr>
+            <p:ph idx="1"/>
+          </p:nvPr>
+        </p:nvSpPr>
+        <p:spPr/>
+        <p:txBody>
+          <a:bodyPr/>
+          <a:lstStyle/>
+          <a:p>
+            <a:endParaRPr lang="zh-TW" altLang="en-US"/>
+          </a:p>
+        </p:txBody>
+      </p:sp>
+      <p:sp>
+        <p:nvSpPr>
+          <p:cNvPr id="4" name="矩形 3">
+            <a:extLst>
+              <a:ext uri="{FF2B5EF4-FFF2-40B4-BE49-F238E27FC236}">
+                <a16:creationId xmlns:a16="http://schemas.microsoft.com/office/drawing/2014/main" id="{A8220006-257B-4407-95BC-8CCC9C06246F}"/>
+              </a:ext>
+            </a:extLst>
+          </p:cNvPr>
+          <p:cNvSpPr/>
+          <p:nvPr/>
+        </p:nvSpPr>
+        <p:spPr>
+          <a:xfrm>
+            <a:off x="-1" y="0"/>
+            <a:ext cx="2519363" cy="1619250"/>
+          </a:xfrm>
+          <a:prstGeom prst="rect">
+            <a:avLst/>
+          </a:prstGeom>
+          <a:solidFill>
+            <a:srgbClr val="FF0000"/>
+          </a:solidFill>
+          <a:ln>
+            <a:noFill/>
+          </a:ln>
+        </p:spPr>
+        <p:style>
+          <a:lnRef idx="2">
+            <a:schemeClr val="accent1">
+              <a:shade val="50000"/>
+            </a:schemeClr>
+          </a:lnRef>
+          <a:fillRef idx="1">
+            <a:schemeClr val="accent1"/>
+          </a:fillRef>
+          <a:effectRef idx="0">
+            <a:schemeClr val="accent1"/>
+          </a:effectRef>
+          <a:fontRef idx="minor">
+            <a:schemeClr val="lt1"/>
+          </a:fontRef>
+        </p:style>
+        <p:txBody>
+          <a:bodyPr rtlCol="0" anchor="ctr"/>
+          <a:lstStyle/>
+          <a:p>
+            <a:pPr algn="ctr"/>
+            <a:endParaRPr lang="zh-TW" altLang="en-US"/>
+          </a:p>
+        </p:txBody>
+      </p:sp>
+      <p:sp>
+        <p:nvSpPr>
+          <p:cNvPr id="5" name="矩形 4">
+            <a:extLst>
+              <a:ext uri="{FF2B5EF4-FFF2-40B4-BE49-F238E27FC236}">
+                <a16:creationId xmlns:a16="http://schemas.microsoft.com/office/drawing/2014/main" id="{29A42128-E2BE-4222-A477-0512E45385EB}"/>
+              </a:ext>
+            </a:extLst>
+          </p:cNvPr>
+          <p:cNvSpPr/>
+          <p:nvPr/>
+        </p:nvSpPr>
+        <p:spPr>
+          <a:xfrm>
+            <a:off x="200445" y="240792"/>
+            <a:ext cx="2130552" cy="1152144"/>
+          </a:xfrm>
+          <a:prstGeom prst="rect">
+            <a:avLst/>
+          </a:prstGeom>
+          <a:solidFill>
+            <a:srgbClr val="FF0000"/>
+          </a:solidFill>
+          <a:ln w="57150">
+            <a:solidFill>
+              <a:schemeClr val="bg1">
+                <a:lumMod val="95000"/>
+              </a:schemeClr>
+            </a:solidFill>
+          </a:ln>
+        </p:spPr>
+        <p:style>
+          <a:lnRef idx="2">
+            <a:schemeClr val="accent1">
+              <a:shade val="50000"/>
+            </a:schemeClr>
+          </a:lnRef>
+          <a:fillRef idx="1">
+            <a:schemeClr val="accent1"/>
+          </a:fillRef>
+          <a:effectRef idx="0">
+            <a:schemeClr val="accent1"/>
+          </a:effectRef>
+          <a:fontRef idx="minor">
+            <a:schemeClr val="lt1"/>
+          </a:fontRef>
+        </p:style>
+        <p:txBody>
+          <a:bodyPr rtlCol="0" anchor="ctr"/>
+          <a:lstStyle/>
+          <a:p>
+            <a:pPr algn="ctr"/>
+            <a:endParaRPr lang="zh-TW" altLang="en-US"/>
+          </a:p>
+        </p:txBody>
+      </p:sp>
+      <p:sp>
+        <p:nvSpPr>
+          <p:cNvPr id="6" name="矩形 5">
+            <a:extLst>
+              <a:ext uri="{FF2B5EF4-FFF2-40B4-BE49-F238E27FC236}">
+                <a16:creationId xmlns:a16="http://schemas.microsoft.com/office/drawing/2014/main" id="{27AC5CA8-59E4-471D-85E2-8DB66E35C2F8}"/>
+              </a:ext>
+            </a:extLst>
+          </p:cNvPr>
+          <p:cNvSpPr/>
+          <p:nvPr/>
+        </p:nvSpPr>
+        <p:spPr>
+          <a:xfrm>
+            <a:off x="208025" y="779526"/>
+            <a:ext cx="2130552" cy="598932"/>
+          </a:xfrm>
+          <a:prstGeom prst="rect">
+            <a:avLst/>
+          </a:prstGeom>
+          <a:solidFill>
+            <a:schemeClr val="bg1">
+              <a:lumMod val="95000"/>
+            </a:schemeClr>
+          </a:solidFill>
+          <a:ln>
+            <a:solidFill>
+              <a:schemeClr val="bg1">
+                <a:lumMod val="95000"/>
+              </a:schemeClr>
+            </a:solidFill>
+          </a:ln>
+        </p:spPr>
+        <p:style>
+          <a:lnRef idx="2">
+            <a:schemeClr val="accent1">
+              <a:shade val="50000"/>
+            </a:schemeClr>
+          </a:lnRef>
+          <a:fillRef idx="1">
+            <a:schemeClr val="accent1"/>
+          </a:fillRef>
+          <a:effectRef idx="0">
+            <a:schemeClr val="accent1"/>
+          </a:effectRef>
+          <a:fontRef idx="minor">
+            <a:schemeClr val="lt1"/>
+          </a:fontRef>
+        </p:style>
+        <p:txBody>
+          <a:bodyPr rtlCol="0" anchor="ctr"/>
+          <a:lstStyle/>
+          <a:p>
+            <a:pPr algn="ctr"/>
+            <a:endParaRPr lang="zh-TW" altLang="en-US"/>
+          </a:p>
+        </p:txBody>
+      </p:sp>
+      <p:sp>
+        <p:nvSpPr>
+          <p:cNvPr id="7" name="文字方塊 6">
+            <a:extLst>
+              <a:ext uri="{FF2B5EF4-FFF2-40B4-BE49-F238E27FC236}">
+                <a16:creationId xmlns:a16="http://schemas.microsoft.com/office/drawing/2014/main" id="{59E8547D-5BC6-4082-B605-368F5C77D7C7}"/>
+              </a:ext>
+            </a:extLst>
+          </p:cNvPr>
+          <p:cNvSpPr txBox="1"/>
+          <p:nvPr/>
+        </p:nvSpPr>
+        <p:spPr>
+          <a:xfrm>
+            <a:off x="240029" y="262890"/>
+            <a:ext cx="2050543" cy="461665"/>
+          </a:xfrm>
+          <a:prstGeom prst="rect">
+            <a:avLst/>
+          </a:prstGeom>
+          <a:solidFill>
+            <a:srgbClr val="FF0000"/>
+          </a:solidFill>
+        </p:spPr>
+        <p:txBody>
+          <a:bodyPr wrap="square" rtlCol="0">
+            <a:spAutoFit/>
+          </a:bodyPr>
+          <a:lstStyle/>
+          <a:p>
+            <a:pPr algn="ctr"/>
+            <a:r>
+              <a:rPr lang="zh-TW" altLang="en-US" sz="1200" dirty="0">
+                <a:solidFill>
+                  <a:schemeClr val="bg1">
+                    <a:lumMod val="95000"/>
+                  </a:schemeClr>
+                </a:solidFill>
+              </a:rPr>
+              <a:t>到天安門觀光</a:t>
+            </a:r>
+            <a:endParaRPr lang="en-US" altLang="zh-TW" sz="1200" dirty="0">
+              <a:solidFill>
+                <a:schemeClr val="bg1">
+                  <a:lumMod val="95000"/>
+                </a:schemeClr>
+              </a:solidFill>
+            </a:endParaRPr>
+          </a:p>
+          <a:p>
+            <a:pPr algn="ctr"/>
+            <a:r>
+              <a:rPr lang="zh-TW" altLang="en-US" sz="1200" dirty="0">
+                <a:solidFill>
+                  <a:schemeClr val="bg1">
+                    <a:lumMod val="95000"/>
+                  </a:schemeClr>
+                </a:solidFill>
+              </a:rPr>
+              <a:t>在人民大會堂前拍照留念</a:t>
+            </a:r>
+          </a:p>
+        </p:txBody>
+      </p:sp>
+      <p:sp>
+        <p:nvSpPr>
+          <p:cNvPr id="8" name="文字方塊 7">
+            <a:extLst>
+              <a:ext uri="{FF2B5EF4-FFF2-40B4-BE49-F238E27FC236}">
+                <a16:creationId xmlns:a16="http://schemas.microsoft.com/office/drawing/2014/main" id="{059071B0-CAE6-4F80-86E0-8C559CED54C2}"/>
+              </a:ext>
+            </a:extLst>
+          </p:cNvPr>
+          <p:cNvSpPr txBox="1"/>
+          <p:nvPr/>
+        </p:nvSpPr>
+        <p:spPr>
+          <a:xfrm>
+            <a:off x="240029" y="944749"/>
+            <a:ext cx="2071307" cy="276999"/>
+          </a:xfrm>
+          <a:prstGeom prst="rect">
+            <a:avLst/>
+          </a:prstGeom>
+          <a:noFill/>
+        </p:spPr>
+        <p:txBody>
+          <a:bodyPr wrap="square" rtlCol="0">
+            <a:spAutoFit/>
+          </a:bodyPr>
+          <a:lstStyle/>
+          <a:p>
+            <a:pPr algn="ctr"/>
+            <a:r>
+              <a:rPr lang="zh-TW" altLang="en-US" sz="1200" dirty="0"/>
+              <a:t>獲得廣告費</a:t>
+            </a:r>
+            <a:r>
+              <a:rPr lang="en-US" altLang="zh-TW" sz="1200" dirty="0"/>
+              <a:t>$600</a:t>
+            </a:r>
+            <a:endParaRPr lang="zh-TW" altLang="en-US" sz="1200" dirty="0"/>
+          </a:p>
+        </p:txBody>
+      </p:sp>
+    </p:spTree>
+    <p:extLst>
+      <p:ext uri="{BB962C8B-B14F-4D97-AF65-F5344CB8AC3E}">
+        <p14:creationId xmlns:p14="http://schemas.microsoft.com/office/powerpoint/2010/main" val="1690396133"/>
+      </p:ext>
+    </p:extLst>
+  </p:cSld>
+  <p:clrMapOvr>
+    <a:masterClrMapping/>
+  </p:clrMapOvr>
+</p:sld>
+</file>
+
+<file path=ppt/slides/slide19.xml><?xml version="1.0" encoding="utf-8"?>
+<p:sld xmlns:a="http://schemas.openxmlformats.org/drawingml/2006/main" xmlns:r="http://schemas.openxmlformats.org/officeDocument/2006/relationships" xmlns:p="http://schemas.openxmlformats.org/presentationml/2006/main">
+  <p:cSld>
+    <p:spTree>
+      <p:nvGrpSpPr>
+        <p:cNvPr id="1" name=""/>
+        <p:cNvGrpSpPr/>
+        <p:nvPr/>
+      </p:nvGrpSpPr>
+      <p:grpSpPr>
+        <a:xfrm>
+          <a:off x="0" y="0"/>
+          <a:ext cx="0" cy="0"/>
+          <a:chOff x="0" y="0"/>
+          <a:chExt cx="0" cy="0"/>
+        </a:xfrm>
+      </p:grpSpPr>
+      <p:sp>
+        <p:nvSpPr>
+          <p:cNvPr id="2" name="標題 1">
+            <a:extLst>
+              <a:ext uri="{FF2B5EF4-FFF2-40B4-BE49-F238E27FC236}">
+                <a16:creationId xmlns:a16="http://schemas.microsoft.com/office/drawing/2014/main" id="{8BCFE509-2EAC-4FE4-9E08-46AF8E560004}"/>
+              </a:ext>
+            </a:extLst>
+          </p:cNvPr>
+          <p:cNvSpPr>
+            <a:spLocks noGrp="1"/>
+          </p:cNvSpPr>
+          <p:nvPr>
+            <p:ph type="title"/>
+          </p:nvPr>
+        </p:nvSpPr>
+        <p:spPr/>
+        <p:txBody>
+          <a:bodyPr/>
+          <a:lstStyle/>
+          <a:p>
+            <a:endParaRPr lang="zh-TW" altLang="en-US"/>
+          </a:p>
+        </p:txBody>
+      </p:sp>
+      <p:sp>
+        <p:nvSpPr>
+          <p:cNvPr id="3" name="內容版面配置區 2">
+            <a:extLst>
+              <a:ext uri="{FF2B5EF4-FFF2-40B4-BE49-F238E27FC236}">
+                <a16:creationId xmlns:a16="http://schemas.microsoft.com/office/drawing/2014/main" id="{4AA239E5-0D38-4F5B-A030-535F0AACCC7D}"/>
+              </a:ext>
+            </a:extLst>
+          </p:cNvPr>
+          <p:cNvSpPr>
+            <a:spLocks noGrp="1"/>
+          </p:cNvSpPr>
+          <p:nvPr>
+            <p:ph idx="1"/>
+          </p:nvPr>
+        </p:nvSpPr>
+        <p:spPr/>
+        <p:txBody>
+          <a:bodyPr/>
+          <a:lstStyle/>
+          <a:p>
+            <a:endParaRPr lang="zh-TW" altLang="en-US"/>
+          </a:p>
+        </p:txBody>
+      </p:sp>
+      <p:sp>
+        <p:nvSpPr>
+          <p:cNvPr id="4" name="矩形 3">
+            <a:extLst>
+              <a:ext uri="{FF2B5EF4-FFF2-40B4-BE49-F238E27FC236}">
+                <a16:creationId xmlns:a16="http://schemas.microsoft.com/office/drawing/2014/main" id="{A8220006-257B-4407-95BC-8CCC9C06246F}"/>
+              </a:ext>
+            </a:extLst>
+          </p:cNvPr>
+          <p:cNvSpPr/>
+          <p:nvPr/>
+        </p:nvSpPr>
+        <p:spPr>
+          <a:xfrm>
+            <a:off x="-1" y="0"/>
+            <a:ext cx="2519363" cy="1619250"/>
+          </a:xfrm>
+          <a:prstGeom prst="rect">
+            <a:avLst/>
+          </a:prstGeom>
+          <a:solidFill>
+            <a:srgbClr val="FF0000"/>
+          </a:solidFill>
+          <a:ln>
+            <a:noFill/>
+          </a:ln>
+        </p:spPr>
+        <p:style>
+          <a:lnRef idx="2">
+            <a:schemeClr val="accent1">
+              <a:shade val="50000"/>
+            </a:schemeClr>
+          </a:lnRef>
+          <a:fillRef idx="1">
+            <a:schemeClr val="accent1"/>
+          </a:fillRef>
+          <a:effectRef idx="0">
+            <a:schemeClr val="accent1"/>
+          </a:effectRef>
+          <a:fontRef idx="minor">
+            <a:schemeClr val="lt1"/>
+          </a:fontRef>
+        </p:style>
+        <p:txBody>
+          <a:bodyPr rtlCol="0" anchor="ctr"/>
+          <a:lstStyle/>
+          <a:p>
+            <a:pPr algn="ctr"/>
+            <a:endParaRPr lang="zh-TW" altLang="en-US"/>
+          </a:p>
+        </p:txBody>
+      </p:sp>
+      <p:sp>
+        <p:nvSpPr>
+          <p:cNvPr id="5" name="矩形 4">
+            <a:extLst>
+              <a:ext uri="{FF2B5EF4-FFF2-40B4-BE49-F238E27FC236}">
+                <a16:creationId xmlns:a16="http://schemas.microsoft.com/office/drawing/2014/main" id="{29A42128-E2BE-4222-A477-0512E45385EB}"/>
+              </a:ext>
+            </a:extLst>
+          </p:cNvPr>
+          <p:cNvSpPr/>
+          <p:nvPr/>
+        </p:nvSpPr>
+        <p:spPr>
+          <a:xfrm>
+            <a:off x="200445" y="240792"/>
+            <a:ext cx="2130552" cy="1152144"/>
+          </a:xfrm>
+          <a:prstGeom prst="rect">
+            <a:avLst/>
+          </a:prstGeom>
+          <a:solidFill>
+            <a:srgbClr val="FF0000"/>
+          </a:solidFill>
+          <a:ln w="57150">
+            <a:solidFill>
+              <a:schemeClr val="bg1">
+                <a:lumMod val="95000"/>
+              </a:schemeClr>
+            </a:solidFill>
+          </a:ln>
+        </p:spPr>
+        <p:style>
+          <a:lnRef idx="2">
+            <a:schemeClr val="accent1">
+              <a:shade val="50000"/>
+            </a:schemeClr>
+          </a:lnRef>
+          <a:fillRef idx="1">
+            <a:schemeClr val="accent1"/>
+          </a:fillRef>
+          <a:effectRef idx="0">
+            <a:schemeClr val="accent1"/>
+          </a:effectRef>
+          <a:fontRef idx="minor">
+            <a:schemeClr val="lt1"/>
+          </a:fontRef>
+        </p:style>
+        <p:txBody>
+          <a:bodyPr rtlCol="0" anchor="ctr"/>
+          <a:lstStyle/>
+          <a:p>
+            <a:pPr algn="ctr"/>
+            <a:endParaRPr lang="zh-TW" altLang="en-US"/>
+          </a:p>
+        </p:txBody>
+      </p:sp>
+      <p:sp>
+        <p:nvSpPr>
+          <p:cNvPr id="6" name="矩形 5">
+            <a:extLst>
+              <a:ext uri="{FF2B5EF4-FFF2-40B4-BE49-F238E27FC236}">
+                <a16:creationId xmlns:a16="http://schemas.microsoft.com/office/drawing/2014/main" id="{27AC5CA8-59E4-471D-85E2-8DB66E35C2F8}"/>
+              </a:ext>
+            </a:extLst>
+          </p:cNvPr>
+          <p:cNvSpPr/>
+          <p:nvPr/>
+        </p:nvSpPr>
+        <p:spPr>
+          <a:xfrm>
+            <a:off x="208025" y="779526"/>
+            <a:ext cx="2130552" cy="598932"/>
+          </a:xfrm>
+          <a:prstGeom prst="rect">
+            <a:avLst/>
+          </a:prstGeom>
+          <a:solidFill>
+            <a:schemeClr val="bg1">
+              <a:lumMod val="95000"/>
+            </a:schemeClr>
+          </a:solidFill>
+          <a:ln>
+            <a:solidFill>
+              <a:schemeClr val="bg1">
+                <a:lumMod val="95000"/>
+              </a:schemeClr>
+            </a:solidFill>
+          </a:ln>
+        </p:spPr>
+        <p:style>
+          <a:lnRef idx="2">
+            <a:schemeClr val="accent1">
+              <a:shade val="50000"/>
+            </a:schemeClr>
+          </a:lnRef>
+          <a:fillRef idx="1">
+            <a:schemeClr val="accent1"/>
+          </a:fillRef>
+          <a:effectRef idx="0">
+            <a:schemeClr val="accent1"/>
+          </a:effectRef>
+          <a:fontRef idx="minor">
+            <a:schemeClr val="lt1"/>
+          </a:fontRef>
+        </p:style>
+        <p:txBody>
+          <a:bodyPr rtlCol="0" anchor="ctr"/>
+          <a:lstStyle/>
+          <a:p>
+            <a:pPr algn="ctr"/>
+            <a:endParaRPr lang="zh-TW" altLang="en-US"/>
+          </a:p>
+        </p:txBody>
+      </p:sp>
+      <p:sp>
+        <p:nvSpPr>
+          <p:cNvPr id="7" name="文字方塊 6">
+            <a:extLst>
+              <a:ext uri="{FF2B5EF4-FFF2-40B4-BE49-F238E27FC236}">
+                <a16:creationId xmlns:a16="http://schemas.microsoft.com/office/drawing/2014/main" id="{59E8547D-5BC6-4082-B605-368F5C77D7C7}"/>
+              </a:ext>
+            </a:extLst>
+          </p:cNvPr>
+          <p:cNvSpPr txBox="1"/>
+          <p:nvPr/>
+        </p:nvSpPr>
+        <p:spPr>
+          <a:xfrm>
+            <a:off x="240029" y="262890"/>
+            <a:ext cx="2050543" cy="461665"/>
+          </a:xfrm>
+          <a:prstGeom prst="rect">
+            <a:avLst/>
+          </a:prstGeom>
+          <a:solidFill>
+            <a:srgbClr val="FF0000"/>
+          </a:solidFill>
+        </p:spPr>
+        <p:txBody>
+          <a:bodyPr wrap="square" rtlCol="0">
+            <a:spAutoFit/>
+          </a:bodyPr>
+          <a:lstStyle/>
+          <a:p>
+            <a:pPr algn="ctr"/>
+            <a:r>
+              <a:rPr lang="zh-TW" altLang="en-US" sz="1200" dirty="0">
+                <a:solidFill>
+                  <a:schemeClr val="bg1">
+                    <a:lumMod val="95000"/>
+                  </a:schemeClr>
+                </a:solidFill>
+              </a:rPr>
+              <a:t>在美國賭場與賭神巧遇</a:t>
+            </a:r>
+            <a:endParaRPr lang="en-US" altLang="zh-TW" sz="1200" dirty="0">
+              <a:solidFill>
+                <a:schemeClr val="bg1">
+                  <a:lumMod val="95000"/>
+                </a:schemeClr>
+              </a:solidFill>
+            </a:endParaRPr>
+          </a:p>
+          <a:p>
+            <a:pPr algn="ctr"/>
+            <a:r>
+              <a:rPr lang="zh-TW" altLang="en-US" sz="1200" dirty="0">
+                <a:solidFill>
+                  <a:schemeClr val="bg1">
+                    <a:lumMod val="95000"/>
+                  </a:schemeClr>
+                </a:solidFill>
+              </a:rPr>
+              <a:t>習得控制骰子技巧</a:t>
+            </a:r>
+          </a:p>
+        </p:txBody>
+      </p:sp>
+      <p:sp>
+        <p:nvSpPr>
+          <p:cNvPr id="8" name="文字方塊 7">
+            <a:extLst>
+              <a:ext uri="{FF2B5EF4-FFF2-40B4-BE49-F238E27FC236}">
+                <a16:creationId xmlns:a16="http://schemas.microsoft.com/office/drawing/2014/main" id="{059071B0-CAE6-4F80-86E0-8C559CED54C2}"/>
+              </a:ext>
+            </a:extLst>
+          </p:cNvPr>
+          <p:cNvSpPr txBox="1"/>
+          <p:nvPr/>
+        </p:nvSpPr>
+        <p:spPr>
+          <a:xfrm>
+            <a:off x="240029" y="944749"/>
+            <a:ext cx="2071307" cy="461665"/>
+          </a:xfrm>
+          <a:prstGeom prst="rect">
+            <a:avLst/>
+          </a:prstGeom>
+          <a:noFill/>
+        </p:spPr>
+        <p:txBody>
+          <a:bodyPr wrap="square" rtlCol="0">
+            <a:spAutoFit/>
+          </a:bodyPr>
+          <a:lstStyle/>
+          <a:p>
+            <a:pPr algn="ctr"/>
+            <a:r>
+              <a:rPr lang="zh-TW" altLang="en-US" sz="1200" dirty="0"/>
+              <a:t>下一回合可決定自己要走</a:t>
+            </a:r>
+            <a:r>
+              <a:rPr lang="en-US" altLang="zh-TW" sz="1200" dirty="0"/>
+              <a:t>1~12</a:t>
+            </a:r>
+            <a:r>
+              <a:rPr lang="zh-TW" altLang="en-US" sz="1200" dirty="0"/>
+              <a:t>步</a:t>
+            </a:r>
+          </a:p>
+        </p:txBody>
+      </p:sp>
+    </p:spTree>
+    <p:extLst>
+      <p:ext uri="{BB962C8B-B14F-4D97-AF65-F5344CB8AC3E}">
+        <p14:creationId xmlns:p14="http://schemas.microsoft.com/office/powerpoint/2010/main" val="2642201227"/>
       </p:ext>
     </p:extLst>
   </p:cSld>
@@ -5142,8 +7201,8 @@
         </p:nvSpPr>
         <p:spPr>
           <a:xfrm>
-            <a:off x="237648" y="348098"/>
-            <a:ext cx="2071307" cy="276999"/>
+            <a:off x="240030" y="270249"/>
+            <a:ext cx="2071307" cy="461665"/>
           </a:xfrm>
           <a:prstGeom prst="rect">
             <a:avLst/>
@@ -5159,7 +7218,7 @@
             <a:pPr algn="ctr"/>
             <a:r>
               <a:rPr lang="zh-TW" altLang="en-US" sz="1200" dirty="0"/>
-              <a:t>出國在外語言不通比手畫腳</a:t>
+              <a:t>出國在外語言不通比手畫腳，被誤以為是搶劫被地警拘留</a:t>
             </a:r>
           </a:p>
         </p:txBody>
@@ -5178,8 +7237,8 @@
         </p:nvSpPr>
         <p:spPr>
           <a:xfrm>
-            <a:off x="240030" y="869061"/>
-            <a:ext cx="2071307" cy="461665"/>
+            <a:off x="237648" y="944749"/>
+            <a:ext cx="2071307" cy="276999"/>
           </a:xfrm>
           <a:prstGeom prst="rect">
             <a:avLst/>
@@ -5195,37 +7254,8 @@
             <a:pPr algn="ctr"/>
             <a:r>
               <a:rPr lang="zh-TW" altLang="en-US" sz="1200" dirty="0"/>
-              <a:t>用屁股寫出</a:t>
-            </a:r>
-            <a:r>
-              <a:rPr lang="en-US" altLang="zh-TW" sz="1200" dirty="0"/>
-              <a:t>”</a:t>
-            </a:r>
-            <a:r>
-              <a:rPr lang="zh-TW" altLang="en-US" sz="1200" dirty="0"/>
-              <a:t>大富翁</a:t>
-            </a:r>
-            <a:r>
-              <a:rPr lang="en-US" altLang="zh-TW" sz="1200" dirty="0"/>
-              <a:t>”</a:t>
-            </a:r>
-            <a:r>
-              <a:rPr lang="zh-TW" altLang="en-US" sz="1200" dirty="0"/>
-              <a:t>三個字，</a:t>
-            </a:r>
-            <a:endParaRPr lang="en-US" altLang="zh-TW" sz="1200" dirty="0"/>
-          </a:p>
-          <a:p>
-            <a:pPr algn="ctr"/>
-            <a:r>
-              <a:rPr lang="zh-TW" altLang="en-US" sz="1200" dirty="0"/>
-              <a:t>完成獲得</a:t>
-            </a:r>
-            <a:r>
-              <a:rPr lang="en-US" altLang="zh-TW" sz="1200" dirty="0"/>
-              <a:t>$2000</a:t>
-            </a:r>
-            <a:endParaRPr lang="zh-TW" altLang="en-US" sz="1200" dirty="0"/>
+              <a:t>送至坐牢格但不暫停一回合</a:t>
+            </a:r>
           </a:p>
         </p:txBody>
       </p:sp>
@@ -5233,6 +7263,1392 @@
     <p:extLst>
       <p:ext uri="{BB962C8B-B14F-4D97-AF65-F5344CB8AC3E}">
         <p14:creationId xmlns:p14="http://schemas.microsoft.com/office/powerpoint/2010/main" val="217943833"/>
+      </p:ext>
+    </p:extLst>
+  </p:cSld>
+  <p:clrMapOvr>
+    <a:masterClrMapping/>
+  </p:clrMapOvr>
+</p:sld>
+</file>
+
+<file path=ppt/slides/slide20.xml><?xml version="1.0" encoding="utf-8"?>
+<p:sld xmlns:a="http://schemas.openxmlformats.org/drawingml/2006/main" xmlns:r="http://schemas.openxmlformats.org/officeDocument/2006/relationships" xmlns:p="http://schemas.openxmlformats.org/presentationml/2006/main">
+  <p:cSld>
+    <p:spTree>
+      <p:nvGrpSpPr>
+        <p:cNvPr id="1" name=""/>
+        <p:cNvGrpSpPr/>
+        <p:nvPr/>
+      </p:nvGrpSpPr>
+      <p:grpSpPr>
+        <a:xfrm>
+          <a:off x="0" y="0"/>
+          <a:ext cx="0" cy="0"/>
+          <a:chOff x="0" y="0"/>
+          <a:chExt cx="0" cy="0"/>
+        </a:xfrm>
+      </p:grpSpPr>
+      <p:sp>
+        <p:nvSpPr>
+          <p:cNvPr id="2" name="標題 1">
+            <a:extLst>
+              <a:ext uri="{FF2B5EF4-FFF2-40B4-BE49-F238E27FC236}">
+                <a16:creationId xmlns:a16="http://schemas.microsoft.com/office/drawing/2014/main" id="{8BCFE509-2EAC-4FE4-9E08-46AF8E560004}"/>
+              </a:ext>
+            </a:extLst>
+          </p:cNvPr>
+          <p:cNvSpPr>
+            <a:spLocks noGrp="1"/>
+          </p:cNvSpPr>
+          <p:nvPr>
+            <p:ph type="title"/>
+          </p:nvPr>
+        </p:nvSpPr>
+        <p:spPr/>
+        <p:txBody>
+          <a:bodyPr/>
+          <a:lstStyle/>
+          <a:p>
+            <a:endParaRPr lang="zh-TW" altLang="en-US"/>
+          </a:p>
+        </p:txBody>
+      </p:sp>
+      <p:sp>
+        <p:nvSpPr>
+          <p:cNvPr id="3" name="內容版面配置區 2">
+            <a:extLst>
+              <a:ext uri="{FF2B5EF4-FFF2-40B4-BE49-F238E27FC236}">
+                <a16:creationId xmlns:a16="http://schemas.microsoft.com/office/drawing/2014/main" id="{4AA239E5-0D38-4F5B-A030-535F0AACCC7D}"/>
+              </a:ext>
+            </a:extLst>
+          </p:cNvPr>
+          <p:cNvSpPr>
+            <a:spLocks noGrp="1"/>
+          </p:cNvSpPr>
+          <p:nvPr>
+            <p:ph idx="1"/>
+          </p:nvPr>
+        </p:nvSpPr>
+        <p:spPr/>
+        <p:txBody>
+          <a:bodyPr/>
+          <a:lstStyle/>
+          <a:p>
+            <a:endParaRPr lang="zh-TW" altLang="en-US"/>
+          </a:p>
+        </p:txBody>
+      </p:sp>
+      <p:sp>
+        <p:nvSpPr>
+          <p:cNvPr id="4" name="矩形 3">
+            <a:extLst>
+              <a:ext uri="{FF2B5EF4-FFF2-40B4-BE49-F238E27FC236}">
+                <a16:creationId xmlns:a16="http://schemas.microsoft.com/office/drawing/2014/main" id="{A8220006-257B-4407-95BC-8CCC9C06246F}"/>
+              </a:ext>
+            </a:extLst>
+          </p:cNvPr>
+          <p:cNvSpPr/>
+          <p:nvPr/>
+        </p:nvSpPr>
+        <p:spPr>
+          <a:xfrm>
+            <a:off x="-1" y="0"/>
+            <a:ext cx="2519363" cy="1619250"/>
+          </a:xfrm>
+          <a:prstGeom prst="rect">
+            <a:avLst/>
+          </a:prstGeom>
+          <a:solidFill>
+            <a:srgbClr val="FF0000"/>
+          </a:solidFill>
+          <a:ln>
+            <a:noFill/>
+          </a:ln>
+        </p:spPr>
+        <p:style>
+          <a:lnRef idx="2">
+            <a:schemeClr val="accent1">
+              <a:shade val="50000"/>
+            </a:schemeClr>
+          </a:lnRef>
+          <a:fillRef idx="1">
+            <a:schemeClr val="accent1"/>
+          </a:fillRef>
+          <a:effectRef idx="0">
+            <a:schemeClr val="accent1"/>
+          </a:effectRef>
+          <a:fontRef idx="minor">
+            <a:schemeClr val="lt1"/>
+          </a:fontRef>
+        </p:style>
+        <p:txBody>
+          <a:bodyPr rtlCol="0" anchor="ctr"/>
+          <a:lstStyle/>
+          <a:p>
+            <a:pPr algn="ctr"/>
+            <a:endParaRPr lang="zh-TW" altLang="en-US"/>
+          </a:p>
+        </p:txBody>
+      </p:sp>
+      <p:sp>
+        <p:nvSpPr>
+          <p:cNvPr id="5" name="矩形 4">
+            <a:extLst>
+              <a:ext uri="{FF2B5EF4-FFF2-40B4-BE49-F238E27FC236}">
+                <a16:creationId xmlns:a16="http://schemas.microsoft.com/office/drawing/2014/main" id="{29A42128-E2BE-4222-A477-0512E45385EB}"/>
+              </a:ext>
+            </a:extLst>
+          </p:cNvPr>
+          <p:cNvSpPr/>
+          <p:nvPr/>
+        </p:nvSpPr>
+        <p:spPr>
+          <a:xfrm>
+            <a:off x="200445" y="240792"/>
+            <a:ext cx="2130552" cy="1152144"/>
+          </a:xfrm>
+          <a:prstGeom prst="rect">
+            <a:avLst/>
+          </a:prstGeom>
+          <a:solidFill>
+            <a:srgbClr val="FF0000"/>
+          </a:solidFill>
+          <a:ln w="57150">
+            <a:solidFill>
+              <a:schemeClr val="bg1">
+                <a:lumMod val="95000"/>
+              </a:schemeClr>
+            </a:solidFill>
+          </a:ln>
+        </p:spPr>
+        <p:style>
+          <a:lnRef idx="2">
+            <a:schemeClr val="accent1">
+              <a:shade val="50000"/>
+            </a:schemeClr>
+          </a:lnRef>
+          <a:fillRef idx="1">
+            <a:schemeClr val="accent1"/>
+          </a:fillRef>
+          <a:effectRef idx="0">
+            <a:schemeClr val="accent1"/>
+          </a:effectRef>
+          <a:fontRef idx="minor">
+            <a:schemeClr val="lt1"/>
+          </a:fontRef>
+        </p:style>
+        <p:txBody>
+          <a:bodyPr rtlCol="0" anchor="ctr"/>
+          <a:lstStyle/>
+          <a:p>
+            <a:pPr algn="ctr"/>
+            <a:endParaRPr lang="zh-TW" altLang="en-US"/>
+          </a:p>
+        </p:txBody>
+      </p:sp>
+      <p:sp>
+        <p:nvSpPr>
+          <p:cNvPr id="6" name="矩形 5">
+            <a:extLst>
+              <a:ext uri="{FF2B5EF4-FFF2-40B4-BE49-F238E27FC236}">
+                <a16:creationId xmlns:a16="http://schemas.microsoft.com/office/drawing/2014/main" id="{27AC5CA8-59E4-471D-85E2-8DB66E35C2F8}"/>
+              </a:ext>
+            </a:extLst>
+          </p:cNvPr>
+          <p:cNvSpPr/>
+          <p:nvPr/>
+        </p:nvSpPr>
+        <p:spPr>
+          <a:xfrm>
+            <a:off x="208025" y="779526"/>
+            <a:ext cx="2130552" cy="598932"/>
+          </a:xfrm>
+          <a:prstGeom prst="rect">
+            <a:avLst/>
+          </a:prstGeom>
+          <a:solidFill>
+            <a:schemeClr val="bg1">
+              <a:lumMod val="95000"/>
+            </a:schemeClr>
+          </a:solidFill>
+          <a:ln>
+            <a:solidFill>
+              <a:schemeClr val="bg1">
+                <a:lumMod val="95000"/>
+              </a:schemeClr>
+            </a:solidFill>
+          </a:ln>
+        </p:spPr>
+        <p:style>
+          <a:lnRef idx="2">
+            <a:schemeClr val="accent1">
+              <a:shade val="50000"/>
+            </a:schemeClr>
+          </a:lnRef>
+          <a:fillRef idx="1">
+            <a:schemeClr val="accent1"/>
+          </a:fillRef>
+          <a:effectRef idx="0">
+            <a:schemeClr val="accent1"/>
+          </a:effectRef>
+          <a:fontRef idx="minor">
+            <a:schemeClr val="lt1"/>
+          </a:fontRef>
+        </p:style>
+        <p:txBody>
+          <a:bodyPr rtlCol="0" anchor="ctr"/>
+          <a:lstStyle/>
+          <a:p>
+            <a:pPr algn="ctr"/>
+            <a:endParaRPr lang="zh-TW" altLang="en-US"/>
+          </a:p>
+        </p:txBody>
+      </p:sp>
+      <p:sp>
+        <p:nvSpPr>
+          <p:cNvPr id="7" name="文字方塊 6">
+            <a:extLst>
+              <a:ext uri="{FF2B5EF4-FFF2-40B4-BE49-F238E27FC236}">
+                <a16:creationId xmlns:a16="http://schemas.microsoft.com/office/drawing/2014/main" id="{59E8547D-5BC6-4082-B605-368F5C77D7C7}"/>
+              </a:ext>
+            </a:extLst>
+          </p:cNvPr>
+          <p:cNvSpPr txBox="1"/>
+          <p:nvPr/>
+        </p:nvSpPr>
+        <p:spPr>
+          <a:xfrm>
+            <a:off x="240029" y="262890"/>
+            <a:ext cx="2050543" cy="461665"/>
+          </a:xfrm>
+          <a:prstGeom prst="rect">
+            <a:avLst/>
+          </a:prstGeom>
+          <a:solidFill>
+            <a:srgbClr val="FF0000"/>
+          </a:solidFill>
+        </p:spPr>
+        <p:txBody>
+          <a:bodyPr wrap="square" rtlCol="0">
+            <a:spAutoFit/>
+          </a:bodyPr>
+          <a:lstStyle/>
+          <a:p>
+            <a:pPr algn="ctr"/>
+            <a:r>
+              <a:rPr lang="zh-TW" altLang="en-US" sz="1200" dirty="0">
+                <a:solidFill>
+                  <a:schemeClr val="bg1">
+                    <a:lumMod val="95000"/>
+                  </a:schemeClr>
+                </a:solidFill>
+              </a:rPr>
+              <a:t>到英國研究巨石陣時聽到</a:t>
+            </a:r>
+            <a:endParaRPr lang="en-US" altLang="zh-TW" sz="1200" dirty="0">
+              <a:solidFill>
+                <a:schemeClr val="bg1">
+                  <a:lumMod val="95000"/>
+                </a:schemeClr>
+              </a:solidFill>
+            </a:endParaRPr>
+          </a:p>
+          <a:p>
+            <a:pPr algn="ctr"/>
+            <a:r>
+              <a:rPr lang="zh-TW" altLang="en-US" sz="1200" dirty="0">
+                <a:solidFill>
+                  <a:schemeClr val="bg1">
+                    <a:lumMod val="95000"/>
+                  </a:schemeClr>
+                </a:solidFill>
+              </a:rPr>
+              <a:t>許多神秘外星人傳說</a:t>
+            </a:r>
+          </a:p>
+        </p:txBody>
+      </p:sp>
+      <p:sp>
+        <p:nvSpPr>
+          <p:cNvPr id="8" name="文字方塊 7">
+            <a:extLst>
+              <a:ext uri="{FF2B5EF4-FFF2-40B4-BE49-F238E27FC236}">
+                <a16:creationId xmlns:a16="http://schemas.microsoft.com/office/drawing/2014/main" id="{059071B0-CAE6-4F80-86E0-8C559CED54C2}"/>
+              </a:ext>
+            </a:extLst>
+          </p:cNvPr>
+          <p:cNvSpPr txBox="1"/>
+          <p:nvPr/>
+        </p:nvSpPr>
+        <p:spPr>
+          <a:xfrm>
+            <a:off x="240031" y="848638"/>
+            <a:ext cx="2071307" cy="461665"/>
+          </a:xfrm>
+          <a:prstGeom prst="rect">
+            <a:avLst/>
+          </a:prstGeom>
+          <a:noFill/>
+        </p:spPr>
+        <p:txBody>
+          <a:bodyPr wrap="square" rtlCol="0">
+            <a:spAutoFit/>
+          </a:bodyPr>
+          <a:lstStyle/>
+          <a:p>
+            <a:pPr algn="ctr"/>
+            <a:r>
+              <a:rPr lang="zh-TW" altLang="en-US" sz="1200" dirty="0"/>
+              <a:t>被外星人擄走</a:t>
+            </a:r>
+            <a:endParaRPr lang="en-US" altLang="zh-TW" sz="1200" dirty="0"/>
+          </a:p>
+          <a:p>
+            <a:pPr algn="ctr"/>
+            <a:r>
+              <a:rPr lang="en-US" altLang="zh-TW" sz="1200" dirty="0"/>
+              <a:t>(</a:t>
+            </a:r>
+            <a:r>
+              <a:rPr lang="zh-TW" altLang="en-US" sz="1200" dirty="0"/>
+              <a:t>被送至坐牢格並暫停一回合</a:t>
+            </a:r>
+            <a:r>
+              <a:rPr lang="en-US" altLang="zh-TW" sz="1200" dirty="0"/>
+              <a:t>)</a:t>
+            </a:r>
+          </a:p>
+        </p:txBody>
+      </p:sp>
+    </p:spTree>
+    <p:extLst>
+      <p:ext uri="{BB962C8B-B14F-4D97-AF65-F5344CB8AC3E}">
+        <p14:creationId xmlns:p14="http://schemas.microsoft.com/office/powerpoint/2010/main" val="1927045416"/>
+      </p:ext>
+    </p:extLst>
+  </p:cSld>
+  <p:clrMapOvr>
+    <a:masterClrMapping/>
+  </p:clrMapOvr>
+</p:sld>
+</file>
+
+<file path=ppt/slides/slide21.xml><?xml version="1.0" encoding="utf-8"?>
+<p:sld xmlns:a="http://schemas.openxmlformats.org/drawingml/2006/main" xmlns:r="http://schemas.openxmlformats.org/officeDocument/2006/relationships" xmlns:p="http://schemas.openxmlformats.org/presentationml/2006/main">
+  <p:cSld>
+    <p:spTree>
+      <p:nvGrpSpPr>
+        <p:cNvPr id="1" name=""/>
+        <p:cNvGrpSpPr/>
+        <p:nvPr/>
+      </p:nvGrpSpPr>
+      <p:grpSpPr>
+        <a:xfrm>
+          <a:off x="0" y="0"/>
+          <a:ext cx="0" cy="0"/>
+          <a:chOff x="0" y="0"/>
+          <a:chExt cx="0" cy="0"/>
+        </a:xfrm>
+      </p:grpSpPr>
+      <p:sp>
+        <p:nvSpPr>
+          <p:cNvPr id="2" name="標題 1">
+            <a:extLst>
+              <a:ext uri="{FF2B5EF4-FFF2-40B4-BE49-F238E27FC236}">
+                <a16:creationId xmlns:a16="http://schemas.microsoft.com/office/drawing/2014/main" id="{8BCFE509-2EAC-4FE4-9E08-46AF8E560004}"/>
+              </a:ext>
+            </a:extLst>
+          </p:cNvPr>
+          <p:cNvSpPr>
+            <a:spLocks noGrp="1"/>
+          </p:cNvSpPr>
+          <p:nvPr>
+            <p:ph type="title"/>
+          </p:nvPr>
+        </p:nvSpPr>
+        <p:spPr/>
+        <p:txBody>
+          <a:bodyPr/>
+          <a:lstStyle/>
+          <a:p>
+            <a:endParaRPr lang="zh-TW" altLang="en-US"/>
+          </a:p>
+        </p:txBody>
+      </p:sp>
+      <p:sp>
+        <p:nvSpPr>
+          <p:cNvPr id="3" name="內容版面配置區 2">
+            <a:extLst>
+              <a:ext uri="{FF2B5EF4-FFF2-40B4-BE49-F238E27FC236}">
+                <a16:creationId xmlns:a16="http://schemas.microsoft.com/office/drawing/2014/main" id="{4AA239E5-0D38-4F5B-A030-535F0AACCC7D}"/>
+              </a:ext>
+            </a:extLst>
+          </p:cNvPr>
+          <p:cNvSpPr>
+            <a:spLocks noGrp="1"/>
+          </p:cNvSpPr>
+          <p:nvPr>
+            <p:ph idx="1"/>
+          </p:nvPr>
+        </p:nvSpPr>
+        <p:spPr/>
+        <p:txBody>
+          <a:bodyPr/>
+          <a:lstStyle/>
+          <a:p>
+            <a:endParaRPr lang="zh-TW" altLang="en-US"/>
+          </a:p>
+        </p:txBody>
+      </p:sp>
+      <p:sp>
+        <p:nvSpPr>
+          <p:cNvPr id="4" name="矩形 3">
+            <a:extLst>
+              <a:ext uri="{FF2B5EF4-FFF2-40B4-BE49-F238E27FC236}">
+                <a16:creationId xmlns:a16="http://schemas.microsoft.com/office/drawing/2014/main" id="{A8220006-257B-4407-95BC-8CCC9C06246F}"/>
+              </a:ext>
+            </a:extLst>
+          </p:cNvPr>
+          <p:cNvSpPr/>
+          <p:nvPr/>
+        </p:nvSpPr>
+        <p:spPr>
+          <a:xfrm>
+            <a:off x="-1" y="0"/>
+            <a:ext cx="2519363" cy="1619250"/>
+          </a:xfrm>
+          <a:prstGeom prst="rect">
+            <a:avLst/>
+          </a:prstGeom>
+          <a:solidFill>
+            <a:srgbClr val="FF0000"/>
+          </a:solidFill>
+          <a:ln>
+            <a:noFill/>
+          </a:ln>
+        </p:spPr>
+        <p:style>
+          <a:lnRef idx="2">
+            <a:schemeClr val="accent1">
+              <a:shade val="50000"/>
+            </a:schemeClr>
+          </a:lnRef>
+          <a:fillRef idx="1">
+            <a:schemeClr val="accent1"/>
+          </a:fillRef>
+          <a:effectRef idx="0">
+            <a:schemeClr val="accent1"/>
+          </a:effectRef>
+          <a:fontRef idx="minor">
+            <a:schemeClr val="lt1"/>
+          </a:fontRef>
+        </p:style>
+        <p:txBody>
+          <a:bodyPr rtlCol="0" anchor="ctr"/>
+          <a:lstStyle/>
+          <a:p>
+            <a:pPr algn="ctr"/>
+            <a:endParaRPr lang="zh-TW" altLang="en-US"/>
+          </a:p>
+        </p:txBody>
+      </p:sp>
+      <p:sp>
+        <p:nvSpPr>
+          <p:cNvPr id="5" name="矩形 4">
+            <a:extLst>
+              <a:ext uri="{FF2B5EF4-FFF2-40B4-BE49-F238E27FC236}">
+                <a16:creationId xmlns:a16="http://schemas.microsoft.com/office/drawing/2014/main" id="{29A42128-E2BE-4222-A477-0512E45385EB}"/>
+              </a:ext>
+            </a:extLst>
+          </p:cNvPr>
+          <p:cNvSpPr/>
+          <p:nvPr/>
+        </p:nvSpPr>
+        <p:spPr>
+          <a:xfrm>
+            <a:off x="200445" y="240792"/>
+            <a:ext cx="2130552" cy="1152144"/>
+          </a:xfrm>
+          <a:prstGeom prst="rect">
+            <a:avLst/>
+          </a:prstGeom>
+          <a:solidFill>
+            <a:srgbClr val="FF0000"/>
+          </a:solidFill>
+          <a:ln w="57150">
+            <a:solidFill>
+              <a:schemeClr val="bg1">
+                <a:lumMod val="95000"/>
+              </a:schemeClr>
+            </a:solidFill>
+          </a:ln>
+        </p:spPr>
+        <p:style>
+          <a:lnRef idx="2">
+            <a:schemeClr val="accent1">
+              <a:shade val="50000"/>
+            </a:schemeClr>
+          </a:lnRef>
+          <a:fillRef idx="1">
+            <a:schemeClr val="accent1"/>
+          </a:fillRef>
+          <a:effectRef idx="0">
+            <a:schemeClr val="accent1"/>
+          </a:effectRef>
+          <a:fontRef idx="minor">
+            <a:schemeClr val="lt1"/>
+          </a:fontRef>
+        </p:style>
+        <p:txBody>
+          <a:bodyPr rtlCol="0" anchor="ctr"/>
+          <a:lstStyle/>
+          <a:p>
+            <a:pPr algn="ctr"/>
+            <a:endParaRPr lang="zh-TW" altLang="en-US"/>
+          </a:p>
+        </p:txBody>
+      </p:sp>
+      <p:sp>
+        <p:nvSpPr>
+          <p:cNvPr id="6" name="矩形 5">
+            <a:extLst>
+              <a:ext uri="{FF2B5EF4-FFF2-40B4-BE49-F238E27FC236}">
+                <a16:creationId xmlns:a16="http://schemas.microsoft.com/office/drawing/2014/main" id="{27AC5CA8-59E4-471D-85E2-8DB66E35C2F8}"/>
+              </a:ext>
+            </a:extLst>
+          </p:cNvPr>
+          <p:cNvSpPr/>
+          <p:nvPr/>
+        </p:nvSpPr>
+        <p:spPr>
+          <a:xfrm>
+            <a:off x="208025" y="779526"/>
+            <a:ext cx="2130552" cy="598932"/>
+          </a:xfrm>
+          <a:prstGeom prst="rect">
+            <a:avLst/>
+          </a:prstGeom>
+          <a:solidFill>
+            <a:schemeClr val="bg1">
+              <a:lumMod val="95000"/>
+            </a:schemeClr>
+          </a:solidFill>
+          <a:ln>
+            <a:solidFill>
+              <a:schemeClr val="bg1">
+                <a:lumMod val="95000"/>
+              </a:schemeClr>
+            </a:solidFill>
+          </a:ln>
+        </p:spPr>
+        <p:style>
+          <a:lnRef idx="2">
+            <a:schemeClr val="accent1">
+              <a:shade val="50000"/>
+            </a:schemeClr>
+          </a:lnRef>
+          <a:fillRef idx="1">
+            <a:schemeClr val="accent1"/>
+          </a:fillRef>
+          <a:effectRef idx="0">
+            <a:schemeClr val="accent1"/>
+          </a:effectRef>
+          <a:fontRef idx="minor">
+            <a:schemeClr val="lt1"/>
+          </a:fontRef>
+        </p:style>
+        <p:txBody>
+          <a:bodyPr rtlCol="0" anchor="ctr"/>
+          <a:lstStyle/>
+          <a:p>
+            <a:pPr algn="ctr"/>
+            <a:endParaRPr lang="zh-TW" altLang="en-US"/>
+          </a:p>
+        </p:txBody>
+      </p:sp>
+      <p:sp>
+        <p:nvSpPr>
+          <p:cNvPr id="7" name="文字方塊 6">
+            <a:extLst>
+              <a:ext uri="{FF2B5EF4-FFF2-40B4-BE49-F238E27FC236}">
+                <a16:creationId xmlns:a16="http://schemas.microsoft.com/office/drawing/2014/main" id="{59E8547D-5BC6-4082-B605-368F5C77D7C7}"/>
+              </a:ext>
+            </a:extLst>
+          </p:cNvPr>
+          <p:cNvSpPr txBox="1"/>
+          <p:nvPr/>
+        </p:nvSpPr>
+        <p:spPr>
+          <a:xfrm>
+            <a:off x="240029" y="262890"/>
+            <a:ext cx="2050543" cy="461665"/>
+          </a:xfrm>
+          <a:prstGeom prst="rect">
+            <a:avLst/>
+          </a:prstGeom>
+          <a:solidFill>
+            <a:srgbClr val="FF0000"/>
+          </a:solidFill>
+        </p:spPr>
+        <p:txBody>
+          <a:bodyPr wrap="square" rtlCol="0">
+            <a:spAutoFit/>
+          </a:bodyPr>
+          <a:lstStyle/>
+          <a:p>
+            <a:pPr algn="ctr"/>
+            <a:r>
+              <a:rPr lang="zh-TW" altLang="en-US" sz="1200" dirty="0">
+                <a:solidFill>
+                  <a:schemeClr val="bg1">
+                    <a:lumMod val="95000"/>
+                  </a:schemeClr>
+                </a:solidFill>
+              </a:rPr>
+              <a:t>投資失利，在新加玻投資口香糖事業倒閉賠錢</a:t>
+            </a:r>
+          </a:p>
+        </p:txBody>
+      </p:sp>
+      <p:sp>
+        <p:nvSpPr>
+          <p:cNvPr id="8" name="文字方塊 7">
+            <a:extLst>
+              <a:ext uri="{FF2B5EF4-FFF2-40B4-BE49-F238E27FC236}">
+                <a16:creationId xmlns:a16="http://schemas.microsoft.com/office/drawing/2014/main" id="{059071B0-CAE6-4F80-86E0-8C559CED54C2}"/>
+              </a:ext>
+            </a:extLst>
+          </p:cNvPr>
+          <p:cNvSpPr txBox="1"/>
+          <p:nvPr/>
+        </p:nvSpPr>
+        <p:spPr>
+          <a:xfrm>
+            <a:off x="240029" y="944749"/>
+            <a:ext cx="2071307" cy="276999"/>
+          </a:xfrm>
+          <a:prstGeom prst="rect">
+            <a:avLst/>
+          </a:prstGeom>
+          <a:noFill/>
+        </p:spPr>
+        <p:txBody>
+          <a:bodyPr wrap="square" rtlCol="0">
+            <a:spAutoFit/>
+          </a:bodyPr>
+          <a:lstStyle/>
+          <a:p>
+            <a:pPr algn="ctr"/>
+            <a:r>
+              <a:rPr lang="zh-TW" altLang="en-US" sz="1200" dirty="0"/>
+              <a:t>付員工資遣費</a:t>
+            </a:r>
+            <a:r>
+              <a:rPr lang="en-US" altLang="zh-TW" sz="1200" dirty="0"/>
+              <a:t>$1200</a:t>
+            </a:r>
+            <a:endParaRPr lang="zh-TW" altLang="en-US" sz="1200" dirty="0"/>
+          </a:p>
+        </p:txBody>
+      </p:sp>
+    </p:spTree>
+    <p:extLst>
+      <p:ext uri="{BB962C8B-B14F-4D97-AF65-F5344CB8AC3E}">
+        <p14:creationId xmlns:p14="http://schemas.microsoft.com/office/powerpoint/2010/main" val="2344812084"/>
+      </p:ext>
+    </p:extLst>
+  </p:cSld>
+  <p:clrMapOvr>
+    <a:masterClrMapping/>
+  </p:clrMapOvr>
+</p:sld>
+</file>
+
+<file path=ppt/slides/slide22.xml><?xml version="1.0" encoding="utf-8"?>
+<p:sld xmlns:a="http://schemas.openxmlformats.org/drawingml/2006/main" xmlns:r="http://schemas.openxmlformats.org/officeDocument/2006/relationships" xmlns:p="http://schemas.openxmlformats.org/presentationml/2006/main">
+  <p:cSld>
+    <p:spTree>
+      <p:nvGrpSpPr>
+        <p:cNvPr id="1" name=""/>
+        <p:cNvGrpSpPr/>
+        <p:nvPr/>
+      </p:nvGrpSpPr>
+      <p:grpSpPr>
+        <a:xfrm>
+          <a:off x="0" y="0"/>
+          <a:ext cx="0" cy="0"/>
+          <a:chOff x="0" y="0"/>
+          <a:chExt cx="0" cy="0"/>
+        </a:xfrm>
+      </p:grpSpPr>
+      <p:sp>
+        <p:nvSpPr>
+          <p:cNvPr id="2" name="標題 1">
+            <a:extLst>
+              <a:ext uri="{FF2B5EF4-FFF2-40B4-BE49-F238E27FC236}">
+                <a16:creationId xmlns:a16="http://schemas.microsoft.com/office/drawing/2014/main" id="{8BCFE509-2EAC-4FE4-9E08-46AF8E560004}"/>
+              </a:ext>
+            </a:extLst>
+          </p:cNvPr>
+          <p:cNvSpPr>
+            <a:spLocks noGrp="1"/>
+          </p:cNvSpPr>
+          <p:nvPr>
+            <p:ph type="title"/>
+          </p:nvPr>
+        </p:nvSpPr>
+        <p:spPr/>
+        <p:txBody>
+          <a:bodyPr/>
+          <a:lstStyle/>
+          <a:p>
+            <a:endParaRPr lang="zh-TW" altLang="en-US"/>
+          </a:p>
+        </p:txBody>
+      </p:sp>
+      <p:sp>
+        <p:nvSpPr>
+          <p:cNvPr id="3" name="內容版面配置區 2">
+            <a:extLst>
+              <a:ext uri="{FF2B5EF4-FFF2-40B4-BE49-F238E27FC236}">
+                <a16:creationId xmlns:a16="http://schemas.microsoft.com/office/drawing/2014/main" id="{4AA239E5-0D38-4F5B-A030-535F0AACCC7D}"/>
+              </a:ext>
+            </a:extLst>
+          </p:cNvPr>
+          <p:cNvSpPr>
+            <a:spLocks noGrp="1"/>
+          </p:cNvSpPr>
+          <p:nvPr>
+            <p:ph idx="1"/>
+          </p:nvPr>
+        </p:nvSpPr>
+        <p:spPr/>
+        <p:txBody>
+          <a:bodyPr/>
+          <a:lstStyle/>
+          <a:p>
+            <a:endParaRPr lang="zh-TW" altLang="en-US"/>
+          </a:p>
+        </p:txBody>
+      </p:sp>
+      <p:sp>
+        <p:nvSpPr>
+          <p:cNvPr id="4" name="矩形 3">
+            <a:extLst>
+              <a:ext uri="{FF2B5EF4-FFF2-40B4-BE49-F238E27FC236}">
+                <a16:creationId xmlns:a16="http://schemas.microsoft.com/office/drawing/2014/main" id="{A8220006-257B-4407-95BC-8CCC9C06246F}"/>
+              </a:ext>
+            </a:extLst>
+          </p:cNvPr>
+          <p:cNvSpPr/>
+          <p:nvPr/>
+        </p:nvSpPr>
+        <p:spPr>
+          <a:xfrm>
+            <a:off x="-1" y="0"/>
+            <a:ext cx="2519363" cy="1619250"/>
+          </a:xfrm>
+          <a:prstGeom prst="rect">
+            <a:avLst/>
+          </a:prstGeom>
+          <a:solidFill>
+            <a:srgbClr val="FF0000"/>
+          </a:solidFill>
+          <a:ln>
+            <a:noFill/>
+          </a:ln>
+        </p:spPr>
+        <p:style>
+          <a:lnRef idx="2">
+            <a:schemeClr val="accent1">
+              <a:shade val="50000"/>
+            </a:schemeClr>
+          </a:lnRef>
+          <a:fillRef idx="1">
+            <a:schemeClr val="accent1"/>
+          </a:fillRef>
+          <a:effectRef idx="0">
+            <a:schemeClr val="accent1"/>
+          </a:effectRef>
+          <a:fontRef idx="minor">
+            <a:schemeClr val="lt1"/>
+          </a:fontRef>
+        </p:style>
+        <p:txBody>
+          <a:bodyPr rtlCol="0" anchor="ctr"/>
+          <a:lstStyle/>
+          <a:p>
+            <a:pPr algn="ctr"/>
+            <a:endParaRPr lang="zh-TW" altLang="en-US"/>
+          </a:p>
+        </p:txBody>
+      </p:sp>
+      <p:sp>
+        <p:nvSpPr>
+          <p:cNvPr id="5" name="矩形 4">
+            <a:extLst>
+              <a:ext uri="{FF2B5EF4-FFF2-40B4-BE49-F238E27FC236}">
+                <a16:creationId xmlns:a16="http://schemas.microsoft.com/office/drawing/2014/main" id="{29A42128-E2BE-4222-A477-0512E45385EB}"/>
+              </a:ext>
+            </a:extLst>
+          </p:cNvPr>
+          <p:cNvSpPr/>
+          <p:nvPr/>
+        </p:nvSpPr>
+        <p:spPr>
+          <a:xfrm>
+            <a:off x="200445" y="240792"/>
+            <a:ext cx="2130552" cy="1152144"/>
+          </a:xfrm>
+          <a:prstGeom prst="rect">
+            <a:avLst/>
+          </a:prstGeom>
+          <a:solidFill>
+            <a:srgbClr val="FF0000"/>
+          </a:solidFill>
+          <a:ln w="57150">
+            <a:solidFill>
+              <a:schemeClr val="bg1">
+                <a:lumMod val="95000"/>
+              </a:schemeClr>
+            </a:solidFill>
+          </a:ln>
+        </p:spPr>
+        <p:style>
+          <a:lnRef idx="2">
+            <a:schemeClr val="accent1">
+              <a:shade val="50000"/>
+            </a:schemeClr>
+          </a:lnRef>
+          <a:fillRef idx="1">
+            <a:schemeClr val="accent1"/>
+          </a:fillRef>
+          <a:effectRef idx="0">
+            <a:schemeClr val="accent1"/>
+          </a:effectRef>
+          <a:fontRef idx="minor">
+            <a:schemeClr val="lt1"/>
+          </a:fontRef>
+        </p:style>
+        <p:txBody>
+          <a:bodyPr rtlCol="0" anchor="ctr"/>
+          <a:lstStyle/>
+          <a:p>
+            <a:pPr algn="ctr"/>
+            <a:endParaRPr lang="zh-TW" altLang="en-US"/>
+          </a:p>
+        </p:txBody>
+      </p:sp>
+      <p:sp>
+        <p:nvSpPr>
+          <p:cNvPr id="6" name="矩形 5">
+            <a:extLst>
+              <a:ext uri="{FF2B5EF4-FFF2-40B4-BE49-F238E27FC236}">
+                <a16:creationId xmlns:a16="http://schemas.microsoft.com/office/drawing/2014/main" id="{27AC5CA8-59E4-471D-85E2-8DB66E35C2F8}"/>
+              </a:ext>
+            </a:extLst>
+          </p:cNvPr>
+          <p:cNvSpPr/>
+          <p:nvPr/>
+        </p:nvSpPr>
+        <p:spPr>
+          <a:xfrm>
+            <a:off x="208025" y="779526"/>
+            <a:ext cx="2130552" cy="598932"/>
+          </a:xfrm>
+          <a:prstGeom prst="rect">
+            <a:avLst/>
+          </a:prstGeom>
+          <a:solidFill>
+            <a:schemeClr val="bg1">
+              <a:lumMod val="95000"/>
+            </a:schemeClr>
+          </a:solidFill>
+          <a:ln>
+            <a:solidFill>
+              <a:schemeClr val="bg1">
+                <a:lumMod val="95000"/>
+              </a:schemeClr>
+            </a:solidFill>
+          </a:ln>
+        </p:spPr>
+        <p:style>
+          <a:lnRef idx="2">
+            <a:schemeClr val="accent1">
+              <a:shade val="50000"/>
+            </a:schemeClr>
+          </a:lnRef>
+          <a:fillRef idx="1">
+            <a:schemeClr val="accent1"/>
+          </a:fillRef>
+          <a:effectRef idx="0">
+            <a:schemeClr val="accent1"/>
+          </a:effectRef>
+          <a:fontRef idx="minor">
+            <a:schemeClr val="lt1"/>
+          </a:fontRef>
+        </p:style>
+        <p:txBody>
+          <a:bodyPr rtlCol="0" anchor="ctr"/>
+          <a:lstStyle/>
+          <a:p>
+            <a:pPr algn="ctr"/>
+            <a:endParaRPr lang="zh-TW" altLang="en-US"/>
+          </a:p>
+        </p:txBody>
+      </p:sp>
+      <p:sp>
+        <p:nvSpPr>
+          <p:cNvPr id="7" name="文字方塊 6">
+            <a:extLst>
+              <a:ext uri="{FF2B5EF4-FFF2-40B4-BE49-F238E27FC236}">
+                <a16:creationId xmlns:a16="http://schemas.microsoft.com/office/drawing/2014/main" id="{59E8547D-5BC6-4082-B605-368F5C77D7C7}"/>
+              </a:ext>
+            </a:extLst>
+          </p:cNvPr>
+          <p:cNvSpPr txBox="1"/>
+          <p:nvPr/>
+        </p:nvSpPr>
+        <p:spPr>
+          <a:xfrm>
+            <a:off x="240029" y="262890"/>
+            <a:ext cx="2050543" cy="461665"/>
+          </a:xfrm>
+          <a:prstGeom prst="rect">
+            <a:avLst/>
+          </a:prstGeom>
+          <a:solidFill>
+            <a:srgbClr val="FF0000"/>
+          </a:solidFill>
+        </p:spPr>
+        <p:txBody>
+          <a:bodyPr wrap="square" rtlCol="0">
+            <a:spAutoFit/>
+          </a:bodyPr>
+          <a:lstStyle/>
+          <a:p>
+            <a:pPr algn="ctr"/>
+            <a:r>
+              <a:rPr lang="zh-TW" altLang="en-US" sz="1200" dirty="0">
+                <a:solidFill>
+                  <a:schemeClr val="bg1">
+                    <a:lumMod val="95000"/>
+                  </a:schemeClr>
+                </a:solidFill>
+              </a:rPr>
+              <a:t>在夏威夷度假太過放鬆，</a:t>
+            </a:r>
+            <a:endParaRPr lang="en-US" altLang="zh-TW" sz="1200" dirty="0">
+              <a:solidFill>
+                <a:schemeClr val="bg1">
+                  <a:lumMod val="95000"/>
+                </a:schemeClr>
+              </a:solidFill>
+            </a:endParaRPr>
+          </a:p>
+          <a:p>
+            <a:pPr algn="ctr"/>
+            <a:r>
+              <a:rPr lang="zh-TW" altLang="en-US" sz="1200" dirty="0">
+                <a:solidFill>
+                  <a:schemeClr val="bg1">
+                    <a:lumMod val="95000"/>
+                  </a:schemeClr>
+                </a:solidFill>
+              </a:rPr>
+              <a:t>錯過回程班機滯留島上</a:t>
+            </a:r>
+          </a:p>
+        </p:txBody>
+      </p:sp>
+      <p:sp>
+        <p:nvSpPr>
+          <p:cNvPr id="8" name="文字方塊 7">
+            <a:extLst>
+              <a:ext uri="{FF2B5EF4-FFF2-40B4-BE49-F238E27FC236}">
+                <a16:creationId xmlns:a16="http://schemas.microsoft.com/office/drawing/2014/main" id="{059071B0-CAE6-4F80-86E0-8C559CED54C2}"/>
+              </a:ext>
+            </a:extLst>
+          </p:cNvPr>
+          <p:cNvSpPr txBox="1"/>
+          <p:nvPr/>
+        </p:nvSpPr>
+        <p:spPr>
+          <a:xfrm>
+            <a:off x="240029" y="944749"/>
+            <a:ext cx="2071307" cy="276999"/>
+          </a:xfrm>
+          <a:prstGeom prst="rect">
+            <a:avLst/>
+          </a:prstGeom>
+          <a:noFill/>
+        </p:spPr>
+        <p:txBody>
+          <a:bodyPr wrap="square" rtlCol="0">
+            <a:spAutoFit/>
+          </a:bodyPr>
+          <a:lstStyle/>
+          <a:p>
+            <a:pPr algn="ctr"/>
+            <a:r>
+              <a:rPr lang="zh-TW" altLang="en-US" sz="1200" dirty="0"/>
+              <a:t>暫停一回合</a:t>
+            </a:r>
+          </a:p>
+        </p:txBody>
+      </p:sp>
+    </p:spTree>
+    <p:extLst>
+      <p:ext uri="{BB962C8B-B14F-4D97-AF65-F5344CB8AC3E}">
+        <p14:creationId xmlns:p14="http://schemas.microsoft.com/office/powerpoint/2010/main" val="443527999"/>
+      </p:ext>
+    </p:extLst>
+  </p:cSld>
+  <p:clrMapOvr>
+    <a:masterClrMapping/>
+  </p:clrMapOvr>
+</p:sld>
+</file>
+
+<file path=ppt/slides/slide23.xml><?xml version="1.0" encoding="utf-8"?>
+<p:sld xmlns:a="http://schemas.openxmlformats.org/drawingml/2006/main" xmlns:r="http://schemas.openxmlformats.org/officeDocument/2006/relationships" xmlns:p="http://schemas.openxmlformats.org/presentationml/2006/main">
+  <p:cSld>
+    <p:spTree>
+      <p:nvGrpSpPr>
+        <p:cNvPr id="1" name=""/>
+        <p:cNvGrpSpPr/>
+        <p:nvPr/>
+      </p:nvGrpSpPr>
+      <p:grpSpPr>
+        <a:xfrm>
+          <a:off x="0" y="0"/>
+          <a:ext cx="0" cy="0"/>
+          <a:chOff x="0" y="0"/>
+          <a:chExt cx="0" cy="0"/>
+        </a:xfrm>
+      </p:grpSpPr>
+      <p:sp>
+        <p:nvSpPr>
+          <p:cNvPr id="2" name="標題 1">
+            <a:extLst>
+              <a:ext uri="{FF2B5EF4-FFF2-40B4-BE49-F238E27FC236}">
+                <a16:creationId xmlns:a16="http://schemas.microsoft.com/office/drawing/2014/main" id="{8BCFE509-2EAC-4FE4-9E08-46AF8E560004}"/>
+              </a:ext>
+            </a:extLst>
+          </p:cNvPr>
+          <p:cNvSpPr>
+            <a:spLocks noGrp="1"/>
+          </p:cNvSpPr>
+          <p:nvPr>
+            <p:ph type="title"/>
+          </p:nvPr>
+        </p:nvSpPr>
+        <p:spPr/>
+        <p:txBody>
+          <a:bodyPr/>
+          <a:lstStyle/>
+          <a:p>
+            <a:endParaRPr lang="zh-TW" altLang="en-US"/>
+          </a:p>
+        </p:txBody>
+      </p:sp>
+      <p:sp>
+        <p:nvSpPr>
+          <p:cNvPr id="3" name="內容版面配置區 2">
+            <a:extLst>
+              <a:ext uri="{FF2B5EF4-FFF2-40B4-BE49-F238E27FC236}">
+                <a16:creationId xmlns:a16="http://schemas.microsoft.com/office/drawing/2014/main" id="{4AA239E5-0D38-4F5B-A030-535F0AACCC7D}"/>
+              </a:ext>
+            </a:extLst>
+          </p:cNvPr>
+          <p:cNvSpPr>
+            <a:spLocks noGrp="1"/>
+          </p:cNvSpPr>
+          <p:nvPr>
+            <p:ph idx="1"/>
+          </p:nvPr>
+        </p:nvSpPr>
+        <p:spPr/>
+        <p:txBody>
+          <a:bodyPr/>
+          <a:lstStyle/>
+          <a:p>
+            <a:endParaRPr lang="zh-TW" altLang="en-US"/>
+          </a:p>
+        </p:txBody>
+      </p:sp>
+      <p:sp>
+        <p:nvSpPr>
+          <p:cNvPr id="4" name="矩形 3">
+            <a:extLst>
+              <a:ext uri="{FF2B5EF4-FFF2-40B4-BE49-F238E27FC236}">
+                <a16:creationId xmlns:a16="http://schemas.microsoft.com/office/drawing/2014/main" id="{A8220006-257B-4407-95BC-8CCC9C06246F}"/>
+              </a:ext>
+            </a:extLst>
+          </p:cNvPr>
+          <p:cNvSpPr/>
+          <p:nvPr/>
+        </p:nvSpPr>
+        <p:spPr>
+          <a:xfrm>
+            <a:off x="-1" y="0"/>
+            <a:ext cx="2519363" cy="1619250"/>
+          </a:xfrm>
+          <a:prstGeom prst="rect">
+            <a:avLst/>
+          </a:prstGeom>
+          <a:solidFill>
+            <a:srgbClr val="FF0000"/>
+          </a:solidFill>
+          <a:ln>
+            <a:noFill/>
+          </a:ln>
+        </p:spPr>
+        <p:style>
+          <a:lnRef idx="2">
+            <a:schemeClr val="accent1">
+              <a:shade val="50000"/>
+            </a:schemeClr>
+          </a:lnRef>
+          <a:fillRef idx="1">
+            <a:schemeClr val="accent1"/>
+          </a:fillRef>
+          <a:effectRef idx="0">
+            <a:schemeClr val="accent1"/>
+          </a:effectRef>
+          <a:fontRef idx="minor">
+            <a:schemeClr val="lt1"/>
+          </a:fontRef>
+        </p:style>
+        <p:txBody>
+          <a:bodyPr rtlCol="0" anchor="ctr"/>
+          <a:lstStyle/>
+          <a:p>
+            <a:pPr algn="ctr"/>
+            <a:endParaRPr lang="zh-TW" altLang="en-US"/>
+          </a:p>
+        </p:txBody>
+      </p:sp>
+      <p:sp>
+        <p:nvSpPr>
+          <p:cNvPr id="5" name="矩形 4">
+            <a:extLst>
+              <a:ext uri="{FF2B5EF4-FFF2-40B4-BE49-F238E27FC236}">
+                <a16:creationId xmlns:a16="http://schemas.microsoft.com/office/drawing/2014/main" id="{29A42128-E2BE-4222-A477-0512E45385EB}"/>
+              </a:ext>
+            </a:extLst>
+          </p:cNvPr>
+          <p:cNvSpPr/>
+          <p:nvPr/>
+        </p:nvSpPr>
+        <p:spPr>
+          <a:xfrm>
+            <a:off x="200445" y="240792"/>
+            <a:ext cx="2130552" cy="1152144"/>
+          </a:xfrm>
+          <a:prstGeom prst="rect">
+            <a:avLst/>
+          </a:prstGeom>
+          <a:solidFill>
+            <a:srgbClr val="FF0000"/>
+          </a:solidFill>
+          <a:ln w="57150">
+            <a:solidFill>
+              <a:schemeClr val="bg1">
+                <a:lumMod val="95000"/>
+              </a:schemeClr>
+            </a:solidFill>
+          </a:ln>
+        </p:spPr>
+        <p:style>
+          <a:lnRef idx="2">
+            <a:schemeClr val="accent1">
+              <a:shade val="50000"/>
+            </a:schemeClr>
+          </a:lnRef>
+          <a:fillRef idx="1">
+            <a:schemeClr val="accent1"/>
+          </a:fillRef>
+          <a:effectRef idx="0">
+            <a:schemeClr val="accent1"/>
+          </a:effectRef>
+          <a:fontRef idx="minor">
+            <a:schemeClr val="lt1"/>
+          </a:fontRef>
+        </p:style>
+        <p:txBody>
+          <a:bodyPr rtlCol="0" anchor="ctr"/>
+          <a:lstStyle/>
+          <a:p>
+            <a:pPr algn="ctr"/>
+            <a:endParaRPr lang="zh-TW" altLang="en-US"/>
+          </a:p>
+        </p:txBody>
+      </p:sp>
+      <p:sp>
+        <p:nvSpPr>
+          <p:cNvPr id="6" name="矩形 5">
+            <a:extLst>
+              <a:ext uri="{FF2B5EF4-FFF2-40B4-BE49-F238E27FC236}">
+                <a16:creationId xmlns:a16="http://schemas.microsoft.com/office/drawing/2014/main" id="{27AC5CA8-59E4-471D-85E2-8DB66E35C2F8}"/>
+              </a:ext>
+            </a:extLst>
+          </p:cNvPr>
+          <p:cNvSpPr/>
+          <p:nvPr/>
+        </p:nvSpPr>
+        <p:spPr>
+          <a:xfrm>
+            <a:off x="208025" y="779526"/>
+            <a:ext cx="2130552" cy="598932"/>
+          </a:xfrm>
+          <a:prstGeom prst="rect">
+            <a:avLst/>
+          </a:prstGeom>
+          <a:solidFill>
+            <a:schemeClr val="bg1">
+              <a:lumMod val="95000"/>
+            </a:schemeClr>
+          </a:solidFill>
+          <a:ln>
+            <a:solidFill>
+              <a:schemeClr val="bg1">
+                <a:lumMod val="95000"/>
+              </a:schemeClr>
+            </a:solidFill>
+          </a:ln>
+        </p:spPr>
+        <p:style>
+          <a:lnRef idx="2">
+            <a:schemeClr val="accent1">
+              <a:shade val="50000"/>
+            </a:schemeClr>
+          </a:lnRef>
+          <a:fillRef idx="1">
+            <a:schemeClr val="accent1"/>
+          </a:fillRef>
+          <a:effectRef idx="0">
+            <a:schemeClr val="accent1"/>
+          </a:effectRef>
+          <a:fontRef idx="minor">
+            <a:schemeClr val="lt1"/>
+          </a:fontRef>
+        </p:style>
+        <p:txBody>
+          <a:bodyPr rtlCol="0" anchor="ctr"/>
+          <a:lstStyle/>
+          <a:p>
+            <a:pPr algn="ctr"/>
+            <a:endParaRPr lang="zh-TW" altLang="en-US"/>
+          </a:p>
+        </p:txBody>
+      </p:sp>
+      <p:sp>
+        <p:nvSpPr>
+          <p:cNvPr id="7" name="文字方塊 6">
+            <a:extLst>
+              <a:ext uri="{FF2B5EF4-FFF2-40B4-BE49-F238E27FC236}">
+                <a16:creationId xmlns:a16="http://schemas.microsoft.com/office/drawing/2014/main" id="{59E8547D-5BC6-4082-B605-368F5C77D7C7}"/>
+              </a:ext>
+            </a:extLst>
+          </p:cNvPr>
+          <p:cNvSpPr txBox="1"/>
+          <p:nvPr/>
+        </p:nvSpPr>
+        <p:spPr>
+          <a:xfrm>
+            <a:off x="240029" y="262890"/>
+            <a:ext cx="2050543" cy="461665"/>
+          </a:xfrm>
+          <a:prstGeom prst="rect">
+            <a:avLst/>
+          </a:prstGeom>
+          <a:solidFill>
+            <a:srgbClr val="FF0000"/>
+          </a:solidFill>
+        </p:spPr>
+        <p:txBody>
+          <a:bodyPr wrap="square" rtlCol="0">
+            <a:spAutoFit/>
+          </a:bodyPr>
+          <a:lstStyle/>
+          <a:p>
+            <a:pPr algn="ctr"/>
+            <a:r>
+              <a:rPr lang="zh-TW" altLang="en-US" sz="1200" dirty="0">
+                <a:solidFill>
+                  <a:schemeClr val="bg1">
+                    <a:lumMod val="95000"/>
+                  </a:schemeClr>
+                </a:solidFill>
+              </a:rPr>
+              <a:t>跟隨中華隊到古巴進行棒球特訓，在國際上為國爭光</a:t>
+            </a:r>
+          </a:p>
+        </p:txBody>
+      </p:sp>
+      <p:sp>
+        <p:nvSpPr>
+          <p:cNvPr id="8" name="文字方塊 7">
+            <a:extLst>
+              <a:ext uri="{FF2B5EF4-FFF2-40B4-BE49-F238E27FC236}">
+                <a16:creationId xmlns:a16="http://schemas.microsoft.com/office/drawing/2014/main" id="{059071B0-CAE6-4F80-86E0-8C559CED54C2}"/>
+              </a:ext>
+            </a:extLst>
+          </p:cNvPr>
+          <p:cNvSpPr txBox="1"/>
+          <p:nvPr/>
+        </p:nvSpPr>
+        <p:spPr>
+          <a:xfrm>
+            <a:off x="240029" y="846352"/>
+            <a:ext cx="2071307" cy="461665"/>
+          </a:xfrm>
+          <a:prstGeom prst="rect">
+            <a:avLst/>
+          </a:prstGeom>
+          <a:noFill/>
+        </p:spPr>
+        <p:txBody>
+          <a:bodyPr wrap="square" rtlCol="0">
+            <a:spAutoFit/>
+          </a:bodyPr>
+          <a:lstStyle/>
+          <a:p>
+            <a:pPr algn="ctr"/>
+            <a:r>
+              <a:rPr lang="zh-TW" altLang="en-US" sz="1200" dirty="0"/>
+              <a:t>獲得獎金</a:t>
+            </a:r>
+            <a:r>
+              <a:rPr lang="en-US" altLang="zh-TW" sz="1200" dirty="0"/>
+              <a:t>$1000</a:t>
+            </a:r>
+            <a:r>
+              <a:rPr lang="zh-TW" altLang="en-US" sz="1200" dirty="0"/>
+              <a:t>，並直達古巴</a:t>
+            </a:r>
+            <a:r>
+              <a:rPr lang="en-US" altLang="zh-TW" sz="1200" dirty="0"/>
+              <a:t>(</a:t>
+            </a:r>
+            <a:r>
+              <a:rPr lang="zh-TW" altLang="en-US" sz="1200" dirty="0"/>
+              <a:t>若經起點可得</a:t>
+            </a:r>
+            <a:r>
+              <a:rPr lang="en-US" altLang="zh-TW" sz="1200" dirty="0"/>
+              <a:t>$2000)</a:t>
+            </a:r>
+            <a:endParaRPr lang="zh-TW" altLang="en-US" sz="1200" dirty="0"/>
+          </a:p>
+        </p:txBody>
+      </p:sp>
+    </p:spTree>
+    <p:extLst>
+      <p:ext uri="{BB962C8B-B14F-4D97-AF65-F5344CB8AC3E}">
+        <p14:creationId xmlns:p14="http://schemas.microsoft.com/office/powerpoint/2010/main" val="2043469060"/>
       </p:ext>
     </p:extLst>
   </p:cSld>
@@ -6216,7 +9632,7 @@
             </a:r>
             <a:r>
               <a:rPr lang="en-US" altLang="zh-TW" sz="1200" dirty="0"/>
-              <a:t>$3000</a:t>
+              <a:t>$1500</a:t>
             </a:r>
             <a:endParaRPr lang="zh-TW" altLang="en-US" sz="1200" dirty="0"/>
           </a:p>
